--- a/Schema RDFS.pptx
+++ b/Schema RDFS.pptx
@@ -5,10 +5,12 @@
     <p:sldMasterId id="2147483648" r:id="rId1"/>
   </p:sldMasterIdLst>
   <p:notesMasterIdLst>
-    <p:notesMasterId r:id="rId3"/>
+    <p:notesMasterId r:id="rId5"/>
   </p:notesMasterIdLst>
   <p:sldIdLst>
     <p:sldId id="256" r:id="rId2"/>
+    <p:sldId id="258" r:id="rId3"/>
+    <p:sldId id="260" r:id="rId4"/>
   </p:sldIdLst>
   <p:sldSz cx="12192000" cy="6858000"/>
   <p:notesSz cx="6858000" cy="9144000"/>
@@ -197,7 +199,7 @@
           <a:p>
             <a:fld id="{9BFBB907-4480-42AC-A0D5-520298061385}" type="datetimeFigureOut">
               <a:rPr lang="en-GB" smtClean="0"/>
-              <a:t>06/11/2019</a:t>
+              <a:t>12/11/2019</a:t>
             </a:fld>
             <a:endParaRPr lang="en-GB"/>
           </a:p>
@@ -586,6 +588,190 @@
 </p:notes>
 </file>
 
+<file path=ppt/notesSlides/notesSlide2.xml><?xml version="1.0" encoding="utf-8"?>
+<p:notes xmlns:a="http://schemas.openxmlformats.org/drawingml/2006/main" xmlns:r="http://schemas.openxmlformats.org/officeDocument/2006/relationships" xmlns:p="http://schemas.openxmlformats.org/presentationml/2006/main">
+  <p:cSld>
+    <p:spTree>
+      <p:nvGrpSpPr>
+        <p:cNvPr id="1" name=""/>
+        <p:cNvGrpSpPr/>
+        <p:nvPr/>
+      </p:nvGrpSpPr>
+      <p:grpSpPr>
+        <a:xfrm>
+          <a:off x="0" y="0"/>
+          <a:ext cx="0" cy="0"/>
+          <a:chOff x="0" y="0"/>
+          <a:chExt cx="0" cy="0"/>
+        </a:xfrm>
+      </p:grpSpPr>
+      <p:sp>
+        <p:nvSpPr>
+          <p:cNvPr id="2" name="Slide Image Placeholder 1"/>
+          <p:cNvSpPr>
+            <a:spLocks noGrp="1" noRot="1" noChangeAspect="1"/>
+          </p:cNvSpPr>
+          <p:nvPr>
+            <p:ph type="sldImg"/>
+          </p:nvPr>
+        </p:nvSpPr>
+        <p:spPr/>
+      </p:sp>
+      <p:sp>
+        <p:nvSpPr>
+          <p:cNvPr id="3" name="Notes Placeholder 2"/>
+          <p:cNvSpPr>
+            <a:spLocks noGrp="1"/>
+          </p:cNvSpPr>
+          <p:nvPr>
+            <p:ph type="body" idx="1"/>
+          </p:nvPr>
+        </p:nvSpPr>
+        <p:spPr/>
+        <p:txBody>
+          <a:bodyPr/>
+          <a:lstStyle/>
+          <a:p>
+            <a:r>
+              <a:rPr lang="en-GB" dirty="0">
+                <a:hlinkClick r:id="rId3"/>
+              </a:rPr>
+              <a:t>Extracted from https://www.w3.org/2003/01/geo/#overview</a:t>
+            </a:r>
+            <a:endParaRPr lang="en-GB" dirty="0"/>
+          </a:p>
+        </p:txBody>
+      </p:sp>
+      <p:sp>
+        <p:nvSpPr>
+          <p:cNvPr id="4" name="Slide Number Placeholder 3"/>
+          <p:cNvSpPr>
+            <a:spLocks noGrp="1"/>
+          </p:cNvSpPr>
+          <p:nvPr>
+            <p:ph type="sldNum" sz="quarter" idx="5"/>
+          </p:nvPr>
+        </p:nvSpPr>
+        <p:spPr/>
+        <p:txBody>
+          <a:bodyPr/>
+          <a:lstStyle/>
+          <a:p>
+            <a:fld id="{952E3F84-28B1-4D19-A762-1D216793FEE5}" type="slidenum">
+              <a:rPr lang="en-GB" smtClean="0"/>
+              <a:t>2</a:t>
+            </a:fld>
+            <a:endParaRPr lang="en-GB"/>
+          </a:p>
+        </p:txBody>
+      </p:sp>
+    </p:spTree>
+    <p:extLst>
+      <p:ext uri="{BB962C8B-B14F-4D97-AF65-F5344CB8AC3E}">
+        <p14:creationId xmlns:p14="http://schemas.microsoft.com/office/powerpoint/2010/main" val="1283721505"/>
+      </p:ext>
+    </p:extLst>
+  </p:cSld>
+  <p:clrMapOvr>
+    <a:masterClrMapping/>
+  </p:clrMapOvr>
+</p:notes>
+</file>
+
+<file path=ppt/notesSlides/notesSlide3.xml><?xml version="1.0" encoding="utf-8"?>
+<p:notes xmlns:a="http://schemas.openxmlformats.org/drawingml/2006/main" xmlns:r="http://schemas.openxmlformats.org/officeDocument/2006/relationships" xmlns:p="http://schemas.openxmlformats.org/presentationml/2006/main">
+  <p:cSld>
+    <p:spTree>
+      <p:nvGrpSpPr>
+        <p:cNvPr id="1" name=""/>
+        <p:cNvGrpSpPr/>
+        <p:nvPr/>
+      </p:nvGrpSpPr>
+      <p:grpSpPr>
+        <a:xfrm>
+          <a:off x="0" y="0"/>
+          <a:ext cx="0" cy="0"/>
+          <a:chOff x="0" y="0"/>
+          <a:chExt cx="0" cy="0"/>
+        </a:xfrm>
+      </p:grpSpPr>
+      <p:sp>
+        <p:nvSpPr>
+          <p:cNvPr id="2" name="Slide Image Placeholder 1"/>
+          <p:cNvSpPr>
+            <a:spLocks noGrp="1" noRot="1" noChangeAspect="1"/>
+          </p:cNvSpPr>
+          <p:nvPr>
+            <p:ph type="sldImg"/>
+          </p:nvPr>
+        </p:nvSpPr>
+        <p:spPr/>
+      </p:sp>
+      <p:sp>
+        <p:nvSpPr>
+          <p:cNvPr id="3" name="Notes Placeholder 2"/>
+          <p:cNvSpPr>
+            <a:spLocks noGrp="1"/>
+          </p:cNvSpPr>
+          <p:nvPr>
+            <p:ph type="body" idx="1"/>
+          </p:nvPr>
+        </p:nvSpPr>
+        <p:spPr/>
+        <p:txBody>
+          <a:bodyPr/>
+          <a:lstStyle/>
+          <a:p>
+            <a:r>
+              <a:rPr lang="en-GB" dirty="0"/>
+              <a:t>Based on </a:t>
+            </a:r>
+            <a:r>
+              <a:rPr lang="en-GB" dirty="0">
+                <a:hlinkClick r:id="rId3"/>
+              </a:rPr>
+              <a:t>https://en.wikipedia.org/wiki/GPS_Exchange_Format</a:t>
+            </a:r>
+            <a:endParaRPr lang="en-GB" dirty="0"/>
+          </a:p>
+        </p:txBody>
+      </p:sp>
+      <p:sp>
+        <p:nvSpPr>
+          <p:cNvPr id="4" name="Slide Number Placeholder 3"/>
+          <p:cNvSpPr>
+            <a:spLocks noGrp="1"/>
+          </p:cNvSpPr>
+          <p:nvPr>
+            <p:ph type="sldNum" sz="quarter" idx="5"/>
+          </p:nvPr>
+        </p:nvSpPr>
+        <p:spPr/>
+        <p:txBody>
+          <a:bodyPr/>
+          <a:lstStyle/>
+          <a:p>
+            <a:fld id="{952E3F84-28B1-4D19-A762-1D216793FEE5}" type="slidenum">
+              <a:rPr lang="en-GB" smtClean="0"/>
+              <a:t>3</a:t>
+            </a:fld>
+            <a:endParaRPr lang="en-GB"/>
+          </a:p>
+        </p:txBody>
+      </p:sp>
+    </p:spTree>
+    <p:extLst>
+      <p:ext uri="{BB962C8B-B14F-4D97-AF65-F5344CB8AC3E}">
+        <p14:creationId xmlns:p14="http://schemas.microsoft.com/office/powerpoint/2010/main" val="1332331477"/>
+      </p:ext>
+    </p:extLst>
+  </p:cSld>
+  <p:clrMapOvr>
+    <a:masterClrMapping/>
+  </p:clrMapOvr>
+</p:notes>
+</file>
+
 <file path=ppt/slideLayouts/slideLayout1.xml><?xml version="1.0" encoding="utf-8"?>
 <p:sldLayout xmlns:a="http://schemas.openxmlformats.org/drawingml/2006/main" xmlns:r="http://schemas.openxmlformats.org/officeDocument/2006/relationships" xmlns:p="http://schemas.openxmlformats.org/presentationml/2006/main" type="title" preserve="1">
   <p:cSld name="Title Slide">
@@ -735,7 +921,7 @@
           <a:p>
             <a:fld id="{175D115B-E105-4EED-B1F8-5FA9FF26693E}" type="datetimeFigureOut">
               <a:rPr lang="en-GB" smtClean="0"/>
-              <a:t>06/11/2019</a:t>
+              <a:t>12/11/2019</a:t>
             </a:fld>
             <a:endParaRPr lang="en-GB"/>
           </a:p>
@@ -935,7 +1121,7 @@
           <a:p>
             <a:fld id="{175D115B-E105-4EED-B1F8-5FA9FF26693E}" type="datetimeFigureOut">
               <a:rPr lang="en-GB" smtClean="0"/>
-              <a:t>06/11/2019</a:t>
+              <a:t>12/11/2019</a:t>
             </a:fld>
             <a:endParaRPr lang="en-GB"/>
           </a:p>
@@ -1145,7 +1331,7 @@
           <a:p>
             <a:fld id="{175D115B-E105-4EED-B1F8-5FA9FF26693E}" type="datetimeFigureOut">
               <a:rPr lang="en-GB" smtClean="0"/>
-              <a:t>06/11/2019</a:t>
+              <a:t>12/11/2019</a:t>
             </a:fld>
             <a:endParaRPr lang="en-GB"/>
           </a:p>
@@ -1345,7 +1531,7 @@
           <a:p>
             <a:fld id="{175D115B-E105-4EED-B1F8-5FA9FF26693E}" type="datetimeFigureOut">
               <a:rPr lang="en-GB" smtClean="0"/>
-              <a:t>06/11/2019</a:t>
+              <a:t>12/11/2019</a:t>
             </a:fld>
             <a:endParaRPr lang="en-GB"/>
           </a:p>
@@ -1621,7 +1807,7 @@
           <a:p>
             <a:fld id="{175D115B-E105-4EED-B1F8-5FA9FF26693E}" type="datetimeFigureOut">
               <a:rPr lang="en-GB" smtClean="0"/>
-              <a:t>06/11/2019</a:t>
+              <a:t>12/11/2019</a:t>
             </a:fld>
             <a:endParaRPr lang="en-GB"/>
           </a:p>
@@ -1889,7 +2075,7 @@
           <a:p>
             <a:fld id="{175D115B-E105-4EED-B1F8-5FA9FF26693E}" type="datetimeFigureOut">
               <a:rPr lang="en-GB" smtClean="0"/>
-              <a:t>06/11/2019</a:t>
+              <a:t>12/11/2019</a:t>
             </a:fld>
             <a:endParaRPr lang="en-GB"/>
           </a:p>
@@ -2304,7 +2490,7 @@
           <a:p>
             <a:fld id="{175D115B-E105-4EED-B1F8-5FA9FF26693E}" type="datetimeFigureOut">
               <a:rPr lang="en-GB" smtClean="0"/>
-              <a:t>06/11/2019</a:t>
+              <a:t>12/11/2019</a:t>
             </a:fld>
             <a:endParaRPr lang="en-GB"/>
           </a:p>
@@ -2446,7 +2632,7 @@
           <a:p>
             <a:fld id="{175D115B-E105-4EED-B1F8-5FA9FF26693E}" type="datetimeFigureOut">
               <a:rPr lang="en-GB" smtClean="0"/>
-              <a:t>06/11/2019</a:t>
+              <a:t>12/11/2019</a:t>
             </a:fld>
             <a:endParaRPr lang="en-GB"/>
           </a:p>
@@ -2559,7 +2745,7 @@
           <a:p>
             <a:fld id="{175D115B-E105-4EED-B1F8-5FA9FF26693E}" type="datetimeFigureOut">
               <a:rPr lang="en-GB" smtClean="0"/>
-              <a:t>06/11/2019</a:t>
+              <a:t>12/11/2019</a:t>
             </a:fld>
             <a:endParaRPr lang="en-GB"/>
           </a:p>
@@ -2872,7 +3058,7 @@
           <a:p>
             <a:fld id="{175D115B-E105-4EED-B1F8-5FA9FF26693E}" type="datetimeFigureOut">
               <a:rPr lang="en-GB" smtClean="0"/>
-              <a:t>06/11/2019</a:t>
+              <a:t>12/11/2019</a:t>
             </a:fld>
             <a:endParaRPr lang="en-GB"/>
           </a:p>
@@ -3161,7 +3347,7 @@
           <a:p>
             <a:fld id="{175D115B-E105-4EED-B1F8-5FA9FF26693E}" type="datetimeFigureOut">
               <a:rPr lang="en-GB" smtClean="0"/>
-              <a:t>06/11/2019</a:t>
+              <a:t>12/11/2019</a:t>
             </a:fld>
             <a:endParaRPr lang="en-GB"/>
           </a:p>
@@ -3404,7 +3590,7 @@
           <a:p>
             <a:fld id="{175D115B-E105-4EED-B1F8-5FA9FF26693E}" type="datetimeFigureOut">
               <a:rPr lang="en-GB" smtClean="0"/>
-              <a:t>06/11/2019</a:t>
+              <a:t>12/11/2019</a:t>
             </a:fld>
             <a:endParaRPr lang="en-GB"/>
           </a:p>
@@ -3887,7 +4073,7 @@
         </p:nvSpPr>
         <p:spPr>
           <a:xfrm>
-            <a:off x="342305" y="5461052"/>
+            <a:off x="450658" y="5655085"/>
             <a:ext cx="10801945" cy="1298396"/>
           </a:xfrm>
           <a:prstGeom prst="rect">
@@ -8122,7 +8308,7 @@
         </p:nvSpPr>
         <p:spPr>
           <a:xfrm rot="19978136">
-            <a:off x="1608776" y="4760385"/>
+            <a:off x="1526334" y="4820938"/>
             <a:ext cx="2388456" cy="369332"/>
           </a:xfrm>
           <a:prstGeom prst="rect">
@@ -8875,6 +9061,2339 @@
     <p:extLst>
       <p:ext uri="{BB962C8B-B14F-4D97-AF65-F5344CB8AC3E}">
         <p14:creationId xmlns:p14="http://schemas.microsoft.com/office/powerpoint/2010/main" val="889925244"/>
+      </p:ext>
+    </p:extLst>
+  </p:cSld>
+  <p:clrMapOvr>
+    <a:masterClrMapping/>
+  </p:clrMapOvr>
+</p:sld>
+</file>
+
+<file path=ppt/slides/slide2.xml><?xml version="1.0" encoding="utf-8"?>
+<p:sld xmlns:a="http://schemas.openxmlformats.org/drawingml/2006/main" xmlns:r="http://schemas.openxmlformats.org/officeDocument/2006/relationships" xmlns:p="http://schemas.openxmlformats.org/presentationml/2006/main">
+  <p:cSld>
+    <p:spTree>
+      <p:nvGrpSpPr>
+        <p:cNvPr id="1" name=""/>
+        <p:cNvGrpSpPr/>
+        <p:nvPr/>
+      </p:nvGrpSpPr>
+      <p:grpSpPr>
+        <a:xfrm>
+          <a:off x="0" y="0"/>
+          <a:ext cx="0" cy="0"/>
+          <a:chOff x="0" y="0"/>
+          <a:chExt cx="0" cy="0"/>
+        </a:xfrm>
+      </p:grpSpPr>
+      <p:sp>
+        <p:nvSpPr>
+          <p:cNvPr id="6" name="Oval 5">
+            <a:extLst>
+              <a:ext uri="{FF2B5EF4-FFF2-40B4-BE49-F238E27FC236}">
+                <a16:creationId xmlns:a16="http://schemas.microsoft.com/office/drawing/2014/main" id="{91A0CDD4-4807-43E1-AB57-35C6C28BC7B9}"/>
+              </a:ext>
+            </a:extLst>
+          </p:cNvPr>
+          <p:cNvSpPr/>
+          <p:nvPr/>
+        </p:nvSpPr>
+        <p:spPr>
+          <a:xfrm>
+            <a:off x="616450" y="1626329"/>
+            <a:ext cx="2804844" cy="1008024"/>
+          </a:xfrm>
+          <a:prstGeom prst="ellipse">
+            <a:avLst/>
+          </a:prstGeom>
+          <a:solidFill>
+            <a:schemeClr val="accent6">
+              <a:lumMod val="40000"/>
+              <a:lumOff val="60000"/>
+            </a:schemeClr>
+          </a:solidFill>
+        </p:spPr>
+        <p:style>
+          <a:lnRef idx="2">
+            <a:schemeClr val="accent1">
+              <a:shade val="50000"/>
+            </a:schemeClr>
+          </a:lnRef>
+          <a:fillRef idx="1">
+            <a:schemeClr val="accent1"/>
+          </a:fillRef>
+          <a:effectRef idx="0">
+            <a:schemeClr val="accent1"/>
+          </a:effectRef>
+          <a:fontRef idx="minor">
+            <a:schemeClr val="lt1"/>
+          </a:fontRef>
+        </p:style>
+        <p:txBody>
+          <a:bodyPr rtlCol="0" anchor="ctr"/>
+          <a:lstStyle/>
+          <a:p>
+            <a:pPr algn="ctr"/>
+            <a:r>
+              <a:rPr lang="en-GB" sz="2000" b="1" dirty="0" err="1">
+                <a:solidFill>
+                  <a:schemeClr val="tx1"/>
+                </a:solidFill>
+              </a:rPr>
+              <a:t>SpatialThing</a:t>
+            </a:r>
+            <a:endParaRPr lang="en-GB" sz="2000" b="1" dirty="0">
+              <a:solidFill>
+                <a:schemeClr val="tx1"/>
+              </a:solidFill>
+            </a:endParaRPr>
+          </a:p>
+        </p:txBody>
+      </p:sp>
+      <p:sp>
+        <p:nvSpPr>
+          <p:cNvPr id="7" name="Oval 6">
+            <a:extLst>
+              <a:ext uri="{FF2B5EF4-FFF2-40B4-BE49-F238E27FC236}">
+                <a16:creationId xmlns:a16="http://schemas.microsoft.com/office/drawing/2014/main" id="{D8F6EE0E-3E8B-4C15-8955-AAC115BAF8BE}"/>
+              </a:ext>
+            </a:extLst>
+          </p:cNvPr>
+          <p:cNvSpPr/>
+          <p:nvPr/>
+        </p:nvSpPr>
+        <p:spPr>
+          <a:xfrm>
+            <a:off x="658191" y="4133562"/>
+            <a:ext cx="2804844" cy="1008024"/>
+          </a:xfrm>
+          <a:prstGeom prst="ellipse">
+            <a:avLst/>
+          </a:prstGeom>
+          <a:solidFill>
+            <a:schemeClr val="accent6">
+              <a:lumMod val="40000"/>
+              <a:lumOff val="60000"/>
+            </a:schemeClr>
+          </a:solidFill>
+        </p:spPr>
+        <p:style>
+          <a:lnRef idx="2">
+            <a:schemeClr val="accent1">
+              <a:shade val="50000"/>
+            </a:schemeClr>
+          </a:lnRef>
+          <a:fillRef idx="1">
+            <a:schemeClr val="accent1"/>
+          </a:fillRef>
+          <a:effectRef idx="0">
+            <a:schemeClr val="accent1"/>
+          </a:effectRef>
+          <a:fontRef idx="minor">
+            <a:schemeClr val="lt1"/>
+          </a:fontRef>
+        </p:style>
+        <p:txBody>
+          <a:bodyPr rtlCol="0" anchor="ctr"/>
+          <a:lstStyle/>
+          <a:p>
+            <a:pPr algn="ctr"/>
+            <a:r>
+              <a:rPr lang="en-GB" sz="2000" b="1" dirty="0">
+                <a:solidFill>
+                  <a:schemeClr val="tx1"/>
+                </a:solidFill>
+              </a:rPr>
+              <a:t>Point</a:t>
+            </a:r>
+          </a:p>
+        </p:txBody>
+      </p:sp>
+      <p:cxnSp>
+        <p:nvCxnSpPr>
+          <p:cNvPr id="13" name="Straight Arrow Connector 12">
+            <a:extLst>
+              <a:ext uri="{FF2B5EF4-FFF2-40B4-BE49-F238E27FC236}">
+                <a16:creationId xmlns:a16="http://schemas.microsoft.com/office/drawing/2014/main" id="{E9C1586D-2C33-41C7-8F41-27C2CB0BABB3}"/>
+              </a:ext>
+            </a:extLst>
+          </p:cNvPr>
+          <p:cNvCxnSpPr>
+            <a:cxnSpLocks/>
+          </p:cNvCxnSpPr>
+          <p:nvPr/>
+        </p:nvCxnSpPr>
+        <p:spPr>
+          <a:xfrm flipH="1" flipV="1">
+            <a:off x="2251136" y="2601770"/>
+            <a:ext cx="138413" cy="1531792"/>
+          </a:xfrm>
+          <a:prstGeom prst="straightConnector1">
+            <a:avLst/>
+          </a:prstGeom>
+          <a:ln>
+            <a:solidFill>
+              <a:srgbClr val="FF0000"/>
+            </a:solidFill>
+            <a:tailEnd type="triangle"/>
+          </a:ln>
+        </p:spPr>
+        <p:style>
+          <a:lnRef idx="1">
+            <a:schemeClr val="accent1"/>
+          </a:lnRef>
+          <a:fillRef idx="0">
+            <a:schemeClr val="accent1"/>
+          </a:fillRef>
+          <a:effectRef idx="0">
+            <a:schemeClr val="accent1"/>
+          </a:effectRef>
+          <a:fontRef idx="minor">
+            <a:schemeClr val="tx1"/>
+          </a:fontRef>
+        </p:style>
+      </p:cxnSp>
+      <p:sp>
+        <p:nvSpPr>
+          <p:cNvPr id="18" name="TextBox 17">
+            <a:extLst>
+              <a:ext uri="{FF2B5EF4-FFF2-40B4-BE49-F238E27FC236}">
+                <a16:creationId xmlns:a16="http://schemas.microsoft.com/office/drawing/2014/main" id="{53761137-D9F5-43CC-8B95-356FFBAAC369}"/>
+              </a:ext>
+            </a:extLst>
+          </p:cNvPr>
+          <p:cNvSpPr txBox="1"/>
+          <p:nvPr/>
+        </p:nvSpPr>
+        <p:spPr>
+          <a:xfrm rot="15956517">
+            <a:off x="1227101" y="3222890"/>
+            <a:ext cx="1772976" cy="369332"/>
+          </a:xfrm>
+          <a:prstGeom prst="rect">
+            <a:avLst/>
+          </a:prstGeom>
+          <a:noFill/>
+        </p:spPr>
+        <p:txBody>
+          <a:bodyPr wrap="square" rtlCol="0">
+            <a:spAutoFit/>
+          </a:bodyPr>
+          <a:lstStyle/>
+          <a:p>
+            <a:pPr algn="ctr"/>
+            <a:r>
+              <a:rPr lang="en-GB" dirty="0" err="1"/>
+              <a:t>Rdfs</a:t>
+            </a:r>
+            <a:r>
+              <a:rPr lang="en-GB" dirty="0"/>
+              <a:t>: subclass Of</a:t>
+            </a:r>
+          </a:p>
+        </p:txBody>
+      </p:sp>
+      <p:sp>
+        <p:nvSpPr>
+          <p:cNvPr id="20" name="Oval 19">
+            <a:extLst>
+              <a:ext uri="{FF2B5EF4-FFF2-40B4-BE49-F238E27FC236}">
+                <a16:creationId xmlns:a16="http://schemas.microsoft.com/office/drawing/2014/main" id="{901C5CC7-6166-43E4-9F2A-6EC208635C12}"/>
+              </a:ext>
+            </a:extLst>
+          </p:cNvPr>
+          <p:cNvSpPr/>
+          <p:nvPr/>
+        </p:nvSpPr>
+        <p:spPr>
+          <a:xfrm>
+            <a:off x="616450" y="6984"/>
+            <a:ext cx="2804844" cy="863029"/>
+          </a:xfrm>
+          <a:prstGeom prst="ellipse">
+            <a:avLst/>
+          </a:prstGeom>
+          <a:solidFill>
+            <a:schemeClr val="bg1"/>
+          </a:solidFill>
+        </p:spPr>
+        <p:style>
+          <a:lnRef idx="2">
+            <a:schemeClr val="accent1">
+              <a:shade val="50000"/>
+            </a:schemeClr>
+          </a:lnRef>
+          <a:fillRef idx="1">
+            <a:schemeClr val="accent1"/>
+          </a:fillRef>
+          <a:effectRef idx="0">
+            <a:schemeClr val="accent1"/>
+          </a:effectRef>
+          <a:fontRef idx="minor">
+            <a:schemeClr val="lt1"/>
+          </a:fontRef>
+        </p:style>
+        <p:txBody>
+          <a:bodyPr rtlCol="0" anchor="ctr"/>
+          <a:lstStyle/>
+          <a:p>
+            <a:pPr algn="ctr"/>
+            <a:r>
+              <a:rPr lang="en-GB" dirty="0" err="1">
+                <a:solidFill>
+                  <a:schemeClr val="tx1"/>
+                </a:solidFill>
+              </a:rPr>
+              <a:t>rdfs:Class</a:t>
+            </a:r>
+            <a:endParaRPr lang="en-GB" dirty="0">
+              <a:solidFill>
+                <a:schemeClr val="tx1"/>
+              </a:solidFill>
+            </a:endParaRPr>
+          </a:p>
+        </p:txBody>
+      </p:sp>
+      <p:cxnSp>
+        <p:nvCxnSpPr>
+          <p:cNvPr id="26" name="Straight Arrow Connector 25">
+            <a:extLst>
+              <a:ext uri="{FF2B5EF4-FFF2-40B4-BE49-F238E27FC236}">
+                <a16:creationId xmlns:a16="http://schemas.microsoft.com/office/drawing/2014/main" id="{001D1AAC-B424-4E10-B171-B582810C50E7}"/>
+              </a:ext>
+            </a:extLst>
+          </p:cNvPr>
+          <p:cNvCxnSpPr>
+            <a:cxnSpLocks/>
+            <a:stCxn id="6" idx="0"/>
+          </p:cNvCxnSpPr>
+          <p:nvPr/>
+        </p:nvCxnSpPr>
+        <p:spPr>
+          <a:xfrm flipV="1">
+            <a:off x="2018872" y="870013"/>
+            <a:ext cx="7409" cy="756316"/>
+          </a:xfrm>
+          <a:prstGeom prst="straightConnector1">
+            <a:avLst/>
+          </a:prstGeom>
+          <a:ln>
+            <a:solidFill>
+              <a:schemeClr val="accent1"/>
+            </a:solidFill>
+            <a:tailEnd type="triangle"/>
+          </a:ln>
+        </p:spPr>
+        <p:style>
+          <a:lnRef idx="1">
+            <a:schemeClr val="accent1"/>
+          </a:lnRef>
+          <a:fillRef idx="0">
+            <a:schemeClr val="accent1"/>
+          </a:fillRef>
+          <a:effectRef idx="0">
+            <a:schemeClr val="accent1"/>
+          </a:effectRef>
+          <a:fontRef idx="minor">
+            <a:schemeClr val="tx1"/>
+          </a:fontRef>
+        </p:style>
+      </p:cxnSp>
+      <p:sp>
+        <p:nvSpPr>
+          <p:cNvPr id="31" name="Oval 30">
+            <a:extLst>
+              <a:ext uri="{FF2B5EF4-FFF2-40B4-BE49-F238E27FC236}">
+                <a16:creationId xmlns:a16="http://schemas.microsoft.com/office/drawing/2014/main" id="{7D0FCC81-49E6-423D-8E2E-5B12E780DB5C}"/>
+              </a:ext>
+            </a:extLst>
+          </p:cNvPr>
+          <p:cNvSpPr/>
+          <p:nvPr/>
+        </p:nvSpPr>
+        <p:spPr>
+          <a:xfrm>
+            <a:off x="4952142" y="67802"/>
+            <a:ext cx="2547991" cy="1008024"/>
+          </a:xfrm>
+          <a:prstGeom prst="ellipse">
+            <a:avLst/>
+          </a:prstGeom>
+          <a:solidFill>
+            <a:schemeClr val="bg1"/>
+          </a:solidFill>
+        </p:spPr>
+        <p:style>
+          <a:lnRef idx="2">
+            <a:schemeClr val="accent1">
+              <a:shade val="50000"/>
+            </a:schemeClr>
+          </a:lnRef>
+          <a:fillRef idx="1">
+            <a:schemeClr val="accent1"/>
+          </a:fillRef>
+          <a:effectRef idx="0">
+            <a:schemeClr val="accent1"/>
+          </a:effectRef>
+          <a:fontRef idx="minor">
+            <a:schemeClr val="lt1"/>
+          </a:fontRef>
+        </p:style>
+        <p:txBody>
+          <a:bodyPr rtlCol="0" anchor="ctr"/>
+          <a:lstStyle/>
+          <a:p>
+            <a:pPr algn="ctr"/>
+            <a:r>
+              <a:rPr lang="en-GB" dirty="0" err="1">
+                <a:solidFill>
+                  <a:schemeClr val="tx1"/>
+                </a:solidFill>
+              </a:rPr>
+              <a:t>rdfs:Resource</a:t>
+            </a:r>
+            <a:endParaRPr lang="en-GB" dirty="0">
+              <a:solidFill>
+                <a:schemeClr val="tx1"/>
+              </a:solidFill>
+            </a:endParaRPr>
+          </a:p>
+        </p:txBody>
+      </p:sp>
+      <p:cxnSp>
+        <p:nvCxnSpPr>
+          <p:cNvPr id="32" name="Straight Arrow Connector 31">
+            <a:extLst>
+              <a:ext uri="{FF2B5EF4-FFF2-40B4-BE49-F238E27FC236}">
+                <a16:creationId xmlns:a16="http://schemas.microsoft.com/office/drawing/2014/main" id="{244221B2-A432-44F3-A941-97F43EB4A5E0}"/>
+              </a:ext>
+            </a:extLst>
+          </p:cNvPr>
+          <p:cNvCxnSpPr>
+            <a:cxnSpLocks/>
+            <a:stCxn id="6" idx="6"/>
+          </p:cNvCxnSpPr>
+          <p:nvPr/>
+        </p:nvCxnSpPr>
+        <p:spPr>
+          <a:xfrm flipV="1">
+            <a:off x="3421294" y="1047813"/>
+            <a:ext cx="2292676" cy="1082528"/>
+          </a:xfrm>
+          <a:prstGeom prst="straightConnector1">
+            <a:avLst/>
+          </a:prstGeom>
+          <a:ln>
+            <a:solidFill>
+              <a:srgbClr val="FF0000"/>
+            </a:solidFill>
+            <a:tailEnd type="triangle"/>
+          </a:ln>
+        </p:spPr>
+        <p:style>
+          <a:lnRef idx="1">
+            <a:schemeClr val="accent1"/>
+          </a:lnRef>
+          <a:fillRef idx="0">
+            <a:schemeClr val="accent1"/>
+          </a:fillRef>
+          <a:effectRef idx="0">
+            <a:schemeClr val="accent1"/>
+          </a:effectRef>
+          <a:fontRef idx="minor">
+            <a:schemeClr val="tx1"/>
+          </a:fontRef>
+        </p:style>
+      </p:cxnSp>
+      <p:cxnSp>
+        <p:nvCxnSpPr>
+          <p:cNvPr id="35" name="Straight Arrow Connector 34">
+            <a:extLst>
+              <a:ext uri="{FF2B5EF4-FFF2-40B4-BE49-F238E27FC236}">
+                <a16:creationId xmlns:a16="http://schemas.microsoft.com/office/drawing/2014/main" id="{57316C73-F938-4F9F-9347-D6A4E7C191BE}"/>
+              </a:ext>
+            </a:extLst>
+          </p:cNvPr>
+          <p:cNvCxnSpPr>
+            <a:cxnSpLocks/>
+          </p:cNvCxnSpPr>
+          <p:nvPr/>
+        </p:nvCxnSpPr>
+        <p:spPr>
+          <a:xfrm flipH="1" flipV="1">
+            <a:off x="6356547" y="960968"/>
+            <a:ext cx="240613" cy="1608218"/>
+          </a:xfrm>
+          <a:prstGeom prst="straightConnector1">
+            <a:avLst/>
+          </a:prstGeom>
+          <a:ln>
+            <a:solidFill>
+              <a:srgbClr val="FF0000"/>
+            </a:solidFill>
+            <a:tailEnd type="triangle"/>
+          </a:ln>
+        </p:spPr>
+        <p:style>
+          <a:lnRef idx="1">
+            <a:schemeClr val="accent1"/>
+          </a:lnRef>
+          <a:fillRef idx="0">
+            <a:schemeClr val="accent1"/>
+          </a:fillRef>
+          <a:effectRef idx="0">
+            <a:schemeClr val="accent1"/>
+          </a:effectRef>
+          <a:fontRef idx="minor">
+            <a:schemeClr val="tx1"/>
+          </a:fontRef>
+        </p:style>
+      </p:cxnSp>
+      <p:cxnSp>
+        <p:nvCxnSpPr>
+          <p:cNvPr id="36" name="Straight Arrow Connector 35">
+            <a:extLst>
+              <a:ext uri="{FF2B5EF4-FFF2-40B4-BE49-F238E27FC236}">
+                <a16:creationId xmlns:a16="http://schemas.microsoft.com/office/drawing/2014/main" id="{DD1E933E-3FCD-468F-AAB8-758244846149}"/>
+              </a:ext>
+            </a:extLst>
+          </p:cNvPr>
+          <p:cNvCxnSpPr>
+            <a:cxnSpLocks/>
+          </p:cNvCxnSpPr>
+          <p:nvPr/>
+        </p:nvCxnSpPr>
+        <p:spPr>
+          <a:xfrm flipV="1">
+            <a:off x="6922035" y="3395230"/>
+            <a:ext cx="0" cy="380605"/>
+          </a:xfrm>
+          <a:prstGeom prst="straightConnector1">
+            <a:avLst/>
+          </a:prstGeom>
+          <a:ln>
+            <a:solidFill>
+              <a:srgbClr val="FF0000"/>
+            </a:solidFill>
+            <a:tailEnd type="triangle"/>
+          </a:ln>
+        </p:spPr>
+        <p:style>
+          <a:lnRef idx="1">
+            <a:schemeClr val="accent1"/>
+          </a:lnRef>
+          <a:fillRef idx="0">
+            <a:schemeClr val="accent1"/>
+          </a:fillRef>
+          <a:effectRef idx="0">
+            <a:schemeClr val="accent1"/>
+          </a:effectRef>
+          <a:fontRef idx="minor">
+            <a:schemeClr val="tx1"/>
+          </a:fontRef>
+        </p:style>
+      </p:cxnSp>
+      <p:sp>
+        <p:nvSpPr>
+          <p:cNvPr id="37" name="Oval 36">
+            <a:extLst>
+              <a:ext uri="{FF2B5EF4-FFF2-40B4-BE49-F238E27FC236}">
+                <a16:creationId xmlns:a16="http://schemas.microsoft.com/office/drawing/2014/main" id="{C527ED4F-B0C5-4AA9-8F7C-AE465CC6AFFA}"/>
+              </a:ext>
+            </a:extLst>
+          </p:cNvPr>
+          <p:cNvSpPr/>
+          <p:nvPr/>
+        </p:nvSpPr>
+        <p:spPr>
+          <a:xfrm>
+            <a:off x="5527458" y="2522250"/>
+            <a:ext cx="2310149" cy="904126"/>
+          </a:xfrm>
+          <a:prstGeom prst="ellipse">
+            <a:avLst/>
+          </a:prstGeom>
+          <a:solidFill>
+            <a:schemeClr val="bg1"/>
+          </a:solidFill>
+        </p:spPr>
+        <p:style>
+          <a:lnRef idx="2">
+            <a:schemeClr val="accent1">
+              <a:shade val="50000"/>
+            </a:schemeClr>
+          </a:lnRef>
+          <a:fillRef idx="1">
+            <a:schemeClr val="accent1"/>
+          </a:fillRef>
+          <a:effectRef idx="0">
+            <a:schemeClr val="accent1"/>
+          </a:effectRef>
+          <a:fontRef idx="minor">
+            <a:schemeClr val="lt1"/>
+          </a:fontRef>
+        </p:style>
+        <p:txBody>
+          <a:bodyPr rtlCol="0" anchor="ctr"/>
+          <a:lstStyle/>
+          <a:p>
+            <a:pPr algn="ctr"/>
+            <a:r>
+              <a:rPr lang="en-GB" dirty="0" err="1">
+                <a:solidFill>
+                  <a:schemeClr val="tx1"/>
+                </a:solidFill>
+              </a:rPr>
+              <a:t>rdf:Property</a:t>
+            </a:r>
+            <a:endParaRPr lang="en-GB" dirty="0"/>
+          </a:p>
+        </p:txBody>
+      </p:sp>
+      <p:sp>
+        <p:nvSpPr>
+          <p:cNvPr id="39" name="TextBox 38">
+            <a:extLst>
+              <a:ext uri="{FF2B5EF4-FFF2-40B4-BE49-F238E27FC236}">
+                <a16:creationId xmlns:a16="http://schemas.microsoft.com/office/drawing/2014/main" id="{E77AD956-8A00-4702-8F29-CB947E64E244}"/>
+              </a:ext>
+            </a:extLst>
+          </p:cNvPr>
+          <p:cNvSpPr txBox="1"/>
+          <p:nvPr/>
+        </p:nvSpPr>
+        <p:spPr>
+          <a:xfrm rot="20027652" flipH="1">
+            <a:off x="3291570" y="1010112"/>
+            <a:ext cx="2567894" cy="369332"/>
+          </a:xfrm>
+          <a:prstGeom prst="rect">
+            <a:avLst/>
+          </a:prstGeom>
+          <a:noFill/>
+        </p:spPr>
+        <p:txBody>
+          <a:bodyPr wrap="square" rtlCol="0">
+            <a:spAutoFit/>
+          </a:bodyPr>
+          <a:lstStyle/>
+          <a:p>
+            <a:r>
+              <a:rPr lang="en-GB" dirty="0" err="1"/>
+              <a:t>rdfs:subClassOf</a:t>
+            </a:r>
+            <a:endParaRPr lang="en-GB" dirty="0"/>
+          </a:p>
+        </p:txBody>
+      </p:sp>
+      <p:sp>
+        <p:nvSpPr>
+          <p:cNvPr id="40" name="TextBox 39">
+            <a:extLst>
+              <a:ext uri="{FF2B5EF4-FFF2-40B4-BE49-F238E27FC236}">
+                <a16:creationId xmlns:a16="http://schemas.microsoft.com/office/drawing/2014/main" id="{F7691513-9807-49BE-8E39-D20901565CD6}"/>
+              </a:ext>
+            </a:extLst>
+          </p:cNvPr>
+          <p:cNvSpPr txBox="1"/>
+          <p:nvPr/>
+        </p:nvSpPr>
+        <p:spPr>
+          <a:xfrm rot="15653534" flipH="1">
+            <a:off x="5328605" y="1494504"/>
+            <a:ext cx="1875550" cy="369332"/>
+          </a:xfrm>
+          <a:prstGeom prst="rect">
+            <a:avLst/>
+          </a:prstGeom>
+          <a:noFill/>
+        </p:spPr>
+        <p:txBody>
+          <a:bodyPr wrap="square" rtlCol="0">
+            <a:spAutoFit/>
+          </a:bodyPr>
+          <a:lstStyle/>
+          <a:p>
+            <a:r>
+              <a:rPr lang="en-GB" dirty="0" err="1"/>
+              <a:t>Rdfs:subClassOf</a:t>
+            </a:r>
+            <a:endParaRPr lang="en-GB" dirty="0"/>
+          </a:p>
+        </p:txBody>
+      </p:sp>
+      <p:sp>
+        <p:nvSpPr>
+          <p:cNvPr id="44" name="Oval 43">
+            <a:extLst>
+              <a:ext uri="{FF2B5EF4-FFF2-40B4-BE49-F238E27FC236}">
+                <a16:creationId xmlns:a16="http://schemas.microsoft.com/office/drawing/2014/main" id="{F81BE8DB-7CD3-4F80-9C26-CA3CBB73638C}"/>
+              </a:ext>
+            </a:extLst>
+          </p:cNvPr>
+          <p:cNvSpPr/>
+          <p:nvPr/>
+        </p:nvSpPr>
+        <p:spPr>
+          <a:xfrm>
+            <a:off x="3588095" y="3199597"/>
+            <a:ext cx="1626500" cy="734256"/>
+          </a:xfrm>
+          <a:prstGeom prst="ellipse">
+            <a:avLst/>
+          </a:prstGeom>
+          <a:solidFill>
+            <a:schemeClr val="bg1"/>
+          </a:solidFill>
+        </p:spPr>
+        <p:style>
+          <a:lnRef idx="2">
+            <a:schemeClr val="accent1">
+              <a:shade val="50000"/>
+            </a:schemeClr>
+          </a:lnRef>
+          <a:fillRef idx="1">
+            <a:schemeClr val="accent1"/>
+          </a:fillRef>
+          <a:effectRef idx="0">
+            <a:schemeClr val="accent1"/>
+          </a:effectRef>
+          <a:fontRef idx="minor">
+            <a:schemeClr val="lt1"/>
+          </a:fontRef>
+        </p:style>
+        <p:txBody>
+          <a:bodyPr rtlCol="0" anchor="ctr"/>
+          <a:lstStyle/>
+          <a:p>
+            <a:pPr algn="ctr"/>
+            <a:r>
+              <a:rPr lang="en-GB" dirty="0">
+                <a:solidFill>
+                  <a:schemeClr val="tx1"/>
+                </a:solidFill>
+              </a:rPr>
+              <a:t>latitude</a:t>
+            </a:r>
+          </a:p>
+        </p:txBody>
+      </p:sp>
+      <p:sp>
+        <p:nvSpPr>
+          <p:cNvPr id="49" name="Oval 48">
+            <a:extLst>
+              <a:ext uri="{FF2B5EF4-FFF2-40B4-BE49-F238E27FC236}">
+                <a16:creationId xmlns:a16="http://schemas.microsoft.com/office/drawing/2014/main" id="{3D37C5F9-7A77-4E0B-95F3-3561FEA17BD6}"/>
+              </a:ext>
+            </a:extLst>
+          </p:cNvPr>
+          <p:cNvSpPr/>
+          <p:nvPr/>
+        </p:nvSpPr>
+        <p:spPr>
+          <a:xfrm>
+            <a:off x="3900958" y="4189799"/>
+            <a:ext cx="1626500" cy="807731"/>
+          </a:xfrm>
+          <a:prstGeom prst="ellipse">
+            <a:avLst/>
+          </a:prstGeom>
+          <a:solidFill>
+            <a:schemeClr val="bg1"/>
+          </a:solidFill>
+        </p:spPr>
+        <p:style>
+          <a:lnRef idx="2">
+            <a:schemeClr val="accent1">
+              <a:shade val="50000"/>
+            </a:schemeClr>
+          </a:lnRef>
+          <a:fillRef idx="1">
+            <a:schemeClr val="accent1"/>
+          </a:fillRef>
+          <a:effectRef idx="0">
+            <a:schemeClr val="accent1"/>
+          </a:effectRef>
+          <a:fontRef idx="minor">
+            <a:schemeClr val="lt1"/>
+          </a:fontRef>
+        </p:style>
+        <p:txBody>
+          <a:bodyPr rtlCol="0" anchor="ctr"/>
+          <a:lstStyle/>
+          <a:p>
+            <a:pPr algn="ctr"/>
+            <a:r>
+              <a:rPr lang="en-GB" dirty="0">
+                <a:solidFill>
+                  <a:schemeClr val="tx1"/>
+                </a:solidFill>
+              </a:rPr>
+              <a:t>longitude</a:t>
+            </a:r>
+          </a:p>
+        </p:txBody>
+      </p:sp>
+      <p:cxnSp>
+        <p:nvCxnSpPr>
+          <p:cNvPr id="55" name="Straight Arrow Connector 54">
+            <a:extLst>
+              <a:ext uri="{FF2B5EF4-FFF2-40B4-BE49-F238E27FC236}">
+                <a16:creationId xmlns:a16="http://schemas.microsoft.com/office/drawing/2014/main" id="{FC3CFA17-700C-46CB-8182-198487C66E50}"/>
+              </a:ext>
+            </a:extLst>
+          </p:cNvPr>
+          <p:cNvCxnSpPr>
+            <a:cxnSpLocks/>
+            <a:endCxn id="83" idx="3"/>
+          </p:cNvCxnSpPr>
+          <p:nvPr/>
+        </p:nvCxnSpPr>
+        <p:spPr>
+          <a:xfrm flipV="1">
+            <a:off x="7672263" y="3517173"/>
+            <a:ext cx="1210063" cy="353999"/>
+          </a:xfrm>
+          <a:prstGeom prst="straightConnector1">
+            <a:avLst/>
+          </a:prstGeom>
+          <a:ln>
+            <a:solidFill>
+              <a:schemeClr val="tx1"/>
+            </a:solidFill>
+            <a:tailEnd type="triangle"/>
+          </a:ln>
+        </p:spPr>
+        <p:style>
+          <a:lnRef idx="1">
+            <a:schemeClr val="accent1"/>
+          </a:lnRef>
+          <a:fillRef idx="0">
+            <a:schemeClr val="accent1"/>
+          </a:fillRef>
+          <a:effectRef idx="0">
+            <a:schemeClr val="accent1"/>
+          </a:effectRef>
+          <a:fontRef idx="minor">
+            <a:schemeClr val="tx1"/>
+          </a:fontRef>
+        </p:style>
+      </p:cxnSp>
+      <p:sp>
+        <p:nvSpPr>
+          <p:cNvPr id="59" name="TextBox 58">
+            <a:extLst>
+              <a:ext uri="{FF2B5EF4-FFF2-40B4-BE49-F238E27FC236}">
+                <a16:creationId xmlns:a16="http://schemas.microsoft.com/office/drawing/2014/main" id="{3192C01F-BD4E-4017-8602-7FF5FED88823}"/>
+              </a:ext>
+            </a:extLst>
+          </p:cNvPr>
+          <p:cNvSpPr txBox="1"/>
+          <p:nvPr/>
+        </p:nvSpPr>
+        <p:spPr>
+          <a:xfrm rot="20395972" flipH="1">
+            <a:off x="7597414" y="3346487"/>
+            <a:ext cx="1216892" cy="369332"/>
+          </a:xfrm>
+          <a:prstGeom prst="rect">
+            <a:avLst/>
+          </a:prstGeom>
+          <a:noFill/>
+        </p:spPr>
+        <p:txBody>
+          <a:bodyPr wrap="square" rtlCol="0">
+            <a:spAutoFit/>
+          </a:bodyPr>
+          <a:lstStyle/>
+          <a:p>
+            <a:r>
+              <a:rPr lang="en-GB" dirty="0" err="1"/>
+              <a:t>rdfs:range</a:t>
+            </a:r>
+            <a:endParaRPr lang="en-GB" dirty="0"/>
+          </a:p>
+        </p:txBody>
+      </p:sp>
+      <p:sp>
+        <p:nvSpPr>
+          <p:cNvPr id="60" name="Oval 59">
+            <a:extLst>
+              <a:ext uri="{FF2B5EF4-FFF2-40B4-BE49-F238E27FC236}">
+                <a16:creationId xmlns:a16="http://schemas.microsoft.com/office/drawing/2014/main" id="{E35133A6-03DD-4991-95EC-EC27DE11A9BE}"/>
+              </a:ext>
+            </a:extLst>
+          </p:cNvPr>
+          <p:cNvSpPr/>
+          <p:nvPr/>
+        </p:nvSpPr>
+        <p:spPr>
+          <a:xfrm>
+            <a:off x="3941755" y="5123281"/>
+            <a:ext cx="1648475" cy="807731"/>
+          </a:xfrm>
+          <a:prstGeom prst="ellipse">
+            <a:avLst/>
+          </a:prstGeom>
+          <a:solidFill>
+            <a:schemeClr val="bg1"/>
+          </a:solidFill>
+        </p:spPr>
+        <p:style>
+          <a:lnRef idx="2">
+            <a:schemeClr val="accent1">
+              <a:shade val="50000"/>
+            </a:schemeClr>
+          </a:lnRef>
+          <a:fillRef idx="1">
+            <a:schemeClr val="accent1"/>
+          </a:fillRef>
+          <a:effectRef idx="0">
+            <a:schemeClr val="accent1"/>
+          </a:effectRef>
+          <a:fontRef idx="minor">
+            <a:schemeClr val="lt1"/>
+          </a:fontRef>
+        </p:style>
+        <p:txBody>
+          <a:bodyPr rtlCol="0" anchor="ctr"/>
+          <a:lstStyle/>
+          <a:p>
+            <a:pPr algn="ctr"/>
+            <a:r>
+              <a:rPr lang="en-GB" dirty="0">
+                <a:solidFill>
+                  <a:schemeClr val="tx1"/>
+                </a:solidFill>
+              </a:rPr>
+              <a:t>altitude</a:t>
+            </a:r>
+          </a:p>
+        </p:txBody>
+      </p:sp>
+      <p:cxnSp>
+        <p:nvCxnSpPr>
+          <p:cNvPr id="62" name="Straight Arrow Connector 61">
+            <a:extLst>
+              <a:ext uri="{FF2B5EF4-FFF2-40B4-BE49-F238E27FC236}">
+                <a16:creationId xmlns:a16="http://schemas.microsoft.com/office/drawing/2014/main" id="{B93D97BC-8B67-485C-8151-FEDC69252FB9}"/>
+              </a:ext>
+            </a:extLst>
+          </p:cNvPr>
+          <p:cNvCxnSpPr>
+            <a:cxnSpLocks/>
+            <a:stCxn id="84" idx="2"/>
+            <a:endCxn id="44" idx="5"/>
+          </p:cNvCxnSpPr>
+          <p:nvPr/>
+        </p:nvCxnSpPr>
+        <p:spPr>
+          <a:xfrm flipH="1" flipV="1">
+            <a:off x="4976400" y="3826324"/>
+            <a:ext cx="1331818" cy="148836"/>
+          </a:xfrm>
+          <a:prstGeom prst="straightConnector1">
+            <a:avLst/>
+          </a:prstGeom>
+          <a:ln>
+            <a:solidFill>
+              <a:schemeClr val="tx1"/>
+            </a:solidFill>
+            <a:tailEnd type="triangle"/>
+          </a:ln>
+        </p:spPr>
+        <p:style>
+          <a:lnRef idx="1">
+            <a:schemeClr val="accent1"/>
+          </a:lnRef>
+          <a:fillRef idx="0">
+            <a:schemeClr val="accent1"/>
+          </a:fillRef>
+          <a:effectRef idx="0">
+            <a:schemeClr val="accent1"/>
+          </a:effectRef>
+          <a:fontRef idx="minor">
+            <a:schemeClr val="tx1"/>
+          </a:fontRef>
+        </p:style>
+      </p:cxnSp>
+      <p:sp>
+        <p:nvSpPr>
+          <p:cNvPr id="64" name="Oval 63">
+            <a:extLst>
+              <a:ext uri="{FF2B5EF4-FFF2-40B4-BE49-F238E27FC236}">
+                <a16:creationId xmlns:a16="http://schemas.microsoft.com/office/drawing/2014/main" id="{DAB92B6A-F90D-4BD9-BF9D-861B954B626C}"/>
+              </a:ext>
+            </a:extLst>
+          </p:cNvPr>
+          <p:cNvSpPr/>
+          <p:nvPr/>
+        </p:nvSpPr>
+        <p:spPr>
+          <a:xfrm>
+            <a:off x="8601605" y="5497931"/>
+            <a:ext cx="2162195" cy="824742"/>
+          </a:xfrm>
+          <a:prstGeom prst="ellipse">
+            <a:avLst/>
+          </a:prstGeom>
+          <a:solidFill>
+            <a:schemeClr val="bg1"/>
+          </a:solidFill>
+        </p:spPr>
+        <p:style>
+          <a:lnRef idx="2">
+            <a:schemeClr val="accent1">
+              <a:shade val="50000"/>
+            </a:schemeClr>
+          </a:lnRef>
+          <a:fillRef idx="1">
+            <a:schemeClr val="accent1"/>
+          </a:fillRef>
+          <a:effectRef idx="0">
+            <a:schemeClr val="accent1"/>
+          </a:effectRef>
+          <a:fontRef idx="minor">
+            <a:schemeClr val="lt1"/>
+          </a:fontRef>
+        </p:style>
+        <p:txBody>
+          <a:bodyPr rtlCol="0" anchor="ctr"/>
+          <a:lstStyle/>
+          <a:p>
+            <a:pPr algn="ctr"/>
+            <a:r>
+              <a:rPr lang="en-GB" dirty="0" err="1">
+                <a:solidFill>
+                  <a:schemeClr val="tx1"/>
+                </a:solidFill>
+              </a:rPr>
+              <a:t>based_near</a:t>
+            </a:r>
+            <a:endParaRPr lang="en-GB" dirty="0">
+              <a:solidFill>
+                <a:schemeClr val="tx1"/>
+              </a:solidFill>
+            </a:endParaRPr>
+          </a:p>
+        </p:txBody>
+      </p:sp>
+      <p:cxnSp>
+        <p:nvCxnSpPr>
+          <p:cNvPr id="66" name="Straight Arrow Connector 65">
+            <a:extLst>
+              <a:ext uri="{FF2B5EF4-FFF2-40B4-BE49-F238E27FC236}">
+                <a16:creationId xmlns:a16="http://schemas.microsoft.com/office/drawing/2014/main" id="{B5A21109-108A-471D-AE64-39D243EF0E11}"/>
+              </a:ext>
+            </a:extLst>
+          </p:cNvPr>
+          <p:cNvCxnSpPr/>
+          <p:nvPr/>
+        </p:nvCxnSpPr>
+        <p:spPr>
+          <a:xfrm>
+            <a:off x="9824484" y="0"/>
+            <a:ext cx="0" cy="0"/>
+          </a:xfrm>
+          <a:prstGeom prst="straightConnector1">
+            <a:avLst/>
+          </a:prstGeom>
+          <a:ln>
+            <a:tailEnd type="triangle"/>
+          </a:ln>
+        </p:spPr>
+        <p:style>
+          <a:lnRef idx="1">
+            <a:schemeClr val="accent1"/>
+          </a:lnRef>
+          <a:fillRef idx="0">
+            <a:schemeClr val="accent1"/>
+          </a:fillRef>
+          <a:effectRef idx="0">
+            <a:schemeClr val="accent1"/>
+          </a:effectRef>
+          <a:fontRef idx="minor">
+            <a:schemeClr val="tx1"/>
+          </a:fontRef>
+        </p:style>
+      </p:cxnSp>
+      <p:sp>
+        <p:nvSpPr>
+          <p:cNvPr id="68" name="TextBox 67">
+            <a:extLst>
+              <a:ext uri="{FF2B5EF4-FFF2-40B4-BE49-F238E27FC236}">
+                <a16:creationId xmlns:a16="http://schemas.microsoft.com/office/drawing/2014/main" id="{87D6D4BE-69FB-460F-91D8-5DFC49F420C5}"/>
+              </a:ext>
+            </a:extLst>
+          </p:cNvPr>
+          <p:cNvSpPr txBox="1"/>
+          <p:nvPr/>
+        </p:nvSpPr>
+        <p:spPr>
+          <a:xfrm rot="20615084" flipH="1">
+            <a:off x="5296100" y="4008946"/>
+            <a:ext cx="1703044" cy="369332"/>
+          </a:xfrm>
+          <a:prstGeom prst="rect">
+            <a:avLst/>
+          </a:prstGeom>
+          <a:noFill/>
+        </p:spPr>
+        <p:txBody>
+          <a:bodyPr wrap="square" rtlCol="0">
+            <a:spAutoFit/>
+          </a:bodyPr>
+          <a:lstStyle/>
+          <a:p>
+            <a:r>
+              <a:rPr lang="en-GB" dirty="0" err="1"/>
+              <a:t>rdfs:domain</a:t>
+            </a:r>
+            <a:endParaRPr lang="en-GB" dirty="0"/>
+          </a:p>
+        </p:txBody>
+      </p:sp>
+      <p:sp>
+        <p:nvSpPr>
+          <p:cNvPr id="69" name="TextBox 68">
+            <a:extLst>
+              <a:ext uri="{FF2B5EF4-FFF2-40B4-BE49-F238E27FC236}">
+                <a16:creationId xmlns:a16="http://schemas.microsoft.com/office/drawing/2014/main" id="{25C6DACC-C623-4E5A-9098-35E58D10F0BB}"/>
+              </a:ext>
+            </a:extLst>
+          </p:cNvPr>
+          <p:cNvSpPr txBox="1"/>
+          <p:nvPr/>
+        </p:nvSpPr>
+        <p:spPr>
+          <a:xfrm rot="251470" flipH="1">
+            <a:off x="5177694" y="3522395"/>
+            <a:ext cx="1327146" cy="370633"/>
+          </a:xfrm>
+          <a:prstGeom prst="rect">
+            <a:avLst/>
+          </a:prstGeom>
+          <a:noFill/>
+        </p:spPr>
+        <p:txBody>
+          <a:bodyPr wrap="square" rtlCol="0">
+            <a:spAutoFit/>
+          </a:bodyPr>
+          <a:lstStyle/>
+          <a:p>
+            <a:r>
+              <a:rPr lang="en-GB" dirty="0" err="1"/>
+              <a:t>rdfs:domain</a:t>
+            </a:r>
+            <a:endParaRPr lang="en-GB" dirty="0"/>
+          </a:p>
+        </p:txBody>
+      </p:sp>
+      <p:cxnSp>
+        <p:nvCxnSpPr>
+          <p:cNvPr id="71" name="Straight Arrow Connector 70">
+            <a:extLst>
+              <a:ext uri="{FF2B5EF4-FFF2-40B4-BE49-F238E27FC236}">
+                <a16:creationId xmlns:a16="http://schemas.microsoft.com/office/drawing/2014/main" id="{0C044DFA-B79F-4C0C-B8E3-DC98D47BBB24}"/>
+              </a:ext>
+            </a:extLst>
+          </p:cNvPr>
+          <p:cNvCxnSpPr/>
+          <p:nvPr/>
+        </p:nvCxnSpPr>
+        <p:spPr>
+          <a:xfrm>
+            <a:off x="9856381" y="98418"/>
+            <a:ext cx="0" cy="7908"/>
+          </a:xfrm>
+          <a:prstGeom prst="straightConnector1">
+            <a:avLst/>
+          </a:prstGeom>
+          <a:ln>
+            <a:tailEnd type="triangle"/>
+          </a:ln>
+        </p:spPr>
+        <p:style>
+          <a:lnRef idx="1">
+            <a:schemeClr val="accent1"/>
+          </a:lnRef>
+          <a:fillRef idx="0">
+            <a:schemeClr val="accent1"/>
+          </a:fillRef>
+          <a:effectRef idx="0">
+            <a:schemeClr val="accent1"/>
+          </a:effectRef>
+          <a:fontRef idx="minor">
+            <a:schemeClr val="tx1"/>
+          </a:fontRef>
+        </p:style>
+      </p:cxnSp>
+      <p:cxnSp>
+        <p:nvCxnSpPr>
+          <p:cNvPr id="73" name="Straight Arrow Connector 72">
+            <a:extLst>
+              <a:ext uri="{FF2B5EF4-FFF2-40B4-BE49-F238E27FC236}">
+                <a16:creationId xmlns:a16="http://schemas.microsoft.com/office/drawing/2014/main" id="{327673B0-64C1-478A-B5D5-F5E46398D827}"/>
+              </a:ext>
+            </a:extLst>
+          </p:cNvPr>
+          <p:cNvCxnSpPr>
+            <a:cxnSpLocks/>
+          </p:cNvCxnSpPr>
+          <p:nvPr/>
+        </p:nvCxnSpPr>
+        <p:spPr>
+          <a:xfrm flipH="1">
+            <a:off x="5517966" y="4180924"/>
+            <a:ext cx="1044753" cy="317802"/>
+          </a:xfrm>
+          <a:prstGeom prst="straightConnector1">
+            <a:avLst/>
+          </a:prstGeom>
+          <a:ln>
+            <a:solidFill>
+              <a:schemeClr val="tx1"/>
+            </a:solidFill>
+            <a:tailEnd type="triangle"/>
+          </a:ln>
+        </p:spPr>
+        <p:style>
+          <a:lnRef idx="1">
+            <a:schemeClr val="accent1"/>
+          </a:lnRef>
+          <a:fillRef idx="0">
+            <a:schemeClr val="accent1"/>
+          </a:fillRef>
+          <a:effectRef idx="0">
+            <a:schemeClr val="accent1"/>
+          </a:effectRef>
+          <a:fontRef idx="minor">
+            <a:schemeClr val="tx1"/>
+          </a:fontRef>
+        </p:style>
+      </p:cxnSp>
+      <p:cxnSp>
+        <p:nvCxnSpPr>
+          <p:cNvPr id="77" name="Straight Arrow Connector 76">
+            <a:extLst>
+              <a:ext uri="{FF2B5EF4-FFF2-40B4-BE49-F238E27FC236}">
+                <a16:creationId xmlns:a16="http://schemas.microsoft.com/office/drawing/2014/main" id="{8A260AD9-BB3C-410D-9A90-DDB3FEA135FA}"/>
+              </a:ext>
+            </a:extLst>
+          </p:cNvPr>
+          <p:cNvCxnSpPr>
+            <a:cxnSpLocks/>
+          </p:cNvCxnSpPr>
+          <p:nvPr/>
+        </p:nvCxnSpPr>
+        <p:spPr>
+          <a:xfrm flipH="1">
+            <a:off x="5418982" y="4133562"/>
+            <a:ext cx="1277163" cy="1267993"/>
+          </a:xfrm>
+          <a:prstGeom prst="straightConnector1">
+            <a:avLst/>
+          </a:prstGeom>
+          <a:ln>
+            <a:solidFill>
+              <a:schemeClr val="tx1"/>
+            </a:solidFill>
+            <a:tailEnd type="triangle"/>
+          </a:ln>
+        </p:spPr>
+        <p:style>
+          <a:lnRef idx="1">
+            <a:schemeClr val="accent1"/>
+          </a:lnRef>
+          <a:fillRef idx="0">
+            <a:schemeClr val="accent1"/>
+          </a:fillRef>
+          <a:effectRef idx="0">
+            <a:schemeClr val="accent1"/>
+          </a:effectRef>
+          <a:fontRef idx="minor">
+            <a:schemeClr val="tx1"/>
+          </a:fontRef>
+        </p:style>
+      </p:cxnSp>
+      <p:sp>
+        <p:nvSpPr>
+          <p:cNvPr id="79" name="TextBox 78">
+            <a:extLst>
+              <a:ext uri="{FF2B5EF4-FFF2-40B4-BE49-F238E27FC236}">
+                <a16:creationId xmlns:a16="http://schemas.microsoft.com/office/drawing/2014/main" id="{B03F3C7A-4BD8-4095-B649-FC252BB234CA}"/>
+              </a:ext>
+            </a:extLst>
+          </p:cNvPr>
+          <p:cNvSpPr txBox="1"/>
+          <p:nvPr/>
+        </p:nvSpPr>
+        <p:spPr>
+          <a:xfrm rot="18804856" flipH="1">
+            <a:off x="5182430" y="4553180"/>
+            <a:ext cx="1497595" cy="367920"/>
+          </a:xfrm>
+          <a:prstGeom prst="rect">
+            <a:avLst/>
+          </a:prstGeom>
+          <a:noFill/>
+        </p:spPr>
+        <p:txBody>
+          <a:bodyPr wrap="square" rtlCol="0">
+            <a:spAutoFit/>
+          </a:bodyPr>
+          <a:lstStyle/>
+          <a:p>
+            <a:r>
+              <a:rPr lang="en-GB" dirty="0" err="1"/>
+              <a:t>rdfs:domain</a:t>
+            </a:r>
+            <a:endParaRPr lang="en-GB" dirty="0"/>
+          </a:p>
+        </p:txBody>
+      </p:sp>
+      <p:sp>
+        <p:nvSpPr>
+          <p:cNvPr id="82" name="TextBox 81">
+            <a:extLst>
+              <a:ext uri="{FF2B5EF4-FFF2-40B4-BE49-F238E27FC236}">
+                <a16:creationId xmlns:a16="http://schemas.microsoft.com/office/drawing/2014/main" id="{3FFE161E-D6F7-48AA-8BC1-8C7C3E39B1AE}"/>
+              </a:ext>
+            </a:extLst>
+          </p:cNvPr>
+          <p:cNvSpPr txBox="1"/>
+          <p:nvPr/>
+        </p:nvSpPr>
+        <p:spPr>
+          <a:xfrm rot="16200000" flipH="1">
+            <a:off x="8700394" y="4335658"/>
+            <a:ext cx="2049136" cy="369332"/>
+          </a:xfrm>
+          <a:prstGeom prst="rect">
+            <a:avLst/>
+          </a:prstGeom>
+          <a:noFill/>
+        </p:spPr>
+        <p:txBody>
+          <a:bodyPr wrap="square" rtlCol="0">
+            <a:spAutoFit/>
+          </a:bodyPr>
+          <a:lstStyle/>
+          <a:p>
+            <a:r>
+              <a:rPr lang="en-GB" dirty="0" err="1"/>
+              <a:t>rdfs:subPropertyOf</a:t>
+            </a:r>
+            <a:endParaRPr lang="en-GB" dirty="0"/>
+          </a:p>
+        </p:txBody>
+      </p:sp>
+      <p:sp>
+        <p:nvSpPr>
+          <p:cNvPr id="83" name="Oval 82">
+            <a:extLst>
+              <a:ext uri="{FF2B5EF4-FFF2-40B4-BE49-F238E27FC236}">
+                <a16:creationId xmlns:a16="http://schemas.microsoft.com/office/drawing/2014/main" id="{6C789C61-A448-4054-BA11-4C447B3C3503}"/>
+              </a:ext>
+            </a:extLst>
+          </p:cNvPr>
+          <p:cNvSpPr/>
+          <p:nvPr/>
+        </p:nvSpPr>
+        <p:spPr>
+          <a:xfrm>
+            <a:off x="8565680" y="2813212"/>
+            <a:ext cx="2162195" cy="824742"/>
+          </a:xfrm>
+          <a:prstGeom prst="ellipse">
+            <a:avLst/>
+          </a:prstGeom>
+          <a:solidFill>
+            <a:schemeClr val="bg1"/>
+          </a:solidFill>
+        </p:spPr>
+        <p:style>
+          <a:lnRef idx="2">
+            <a:schemeClr val="accent1">
+              <a:shade val="50000"/>
+            </a:schemeClr>
+          </a:lnRef>
+          <a:fillRef idx="1">
+            <a:schemeClr val="accent1"/>
+          </a:fillRef>
+          <a:effectRef idx="0">
+            <a:schemeClr val="accent1"/>
+          </a:effectRef>
+          <a:fontRef idx="minor">
+            <a:schemeClr val="lt1"/>
+          </a:fontRef>
+        </p:style>
+        <p:txBody>
+          <a:bodyPr rtlCol="0" anchor="ctr"/>
+          <a:lstStyle/>
+          <a:p>
+            <a:pPr algn="ctr"/>
+            <a:r>
+              <a:rPr lang="en-GB" dirty="0">
+                <a:solidFill>
+                  <a:schemeClr val="tx1"/>
+                </a:solidFill>
+              </a:rPr>
+              <a:t>location</a:t>
+            </a:r>
+          </a:p>
+        </p:txBody>
+      </p:sp>
+      <p:sp>
+        <p:nvSpPr>
+          <p:cNvPr id="84" name="Oval 83">
+            <a:extLst>
+              <a:ext uri="{FF2B5EF4-FFF2-40B4-BE49-F238E27FC236}">
+                <a16:creationId xmlns:a16="http://schemas.microsoft.com/office/drawing/2014/main" id="{B1876C9F-8FA8-4DCA-B78B-0502A319E357}"/>
+              </a:ext>
+            </a:extLst>
+          </p:cNvPr>
+          <p:cNvSpPr/>
+          <p:nvPr/>
+        </p:nvSpPr>
+        <p:spPr>
+          <a:xfrm>
+            <a:off x="6308218" y="3718391"/>
+            <a:ext cx="1408402" cy="513538"/>
+          </a:xfrm>
+          <a:prstGeom prst="ellipse">
+            <a:avLst/>
+          </a:prstGeom>
+          <a:solidFill>
+            <a:schemeClr val="bg1"/>
+          </a:solidFill>
+        </p:spPr>
+        <p:style>
+          <a:lnRef idx="2">
+            <a:schemeClr val="accent1">
+              <a:shade val="50000"/>
+            </a:schemeClr>
+          </a:lnRef>
+          <a:fillRef idx="1">
+            <a:schemeClr val="accent1"/>
+          </a:fillRef>
+          <a:effectRef idx="0">
+            <a:schemeClr val="accent1"/>
+          </a:effectRef>
+          <a:fontRef idx="minor">
+            <a:schemeClr val="lt1"/>
+          </a:fontRef>
+        </p:style>
+        <p:txBody>
+          <a:bodyPr rtlCol="0" anchor="ctr"/>
+          <a:lstStyle/>
+          <a:p>
+            <a:pPr algn="ctr"/>
+            <a:endParaRPr lang="en-GB"/>
+          </a:p>
+        </p:txBody>
+      </p:sp>
+    </p:spTree>
+    <p:extLst>
+      <p:ext uri="{BB962C8B-B14F-4D97-AF65-F5344CB8AC3E}">
+        <p14:creationId xmlns:p14="http://schemas.microsoft.com/office/powerpoint/2010/main" val="2540690616"/>
+      </p:ext>
+    </p:extLst>
+  </p:cSld>
+  <p:clrMapOvr>
+    <a:masterClrMapping/>
+  </p:clrMapOvr>
+</p:sld>
+</file>
+
+<file path=ppt/slides/slide3.xml><?xml version="1.0" encoding="utf-8"?>
+<p:sld xmlns:a="http://schemas.openxmlformats.org/drawingml/2006/main" xmlns:r="http://schemas.openxmlformats.org/officeDocument/2006/relationships" xmlns:p="http://schemas.openxmlformats.org/presentationml/2006/main">
+  <p:cSld>
+    <p:spTree>
+      <p:nvGrpSpPr>
+        <p:cNvPr id="1" name=""/>
+        <p:cNvGrpSpPr/>
+        <p:nvPr/>
+      </p:nvGrpSpPr>
+      <p:grpSpPr>
+        <a:xfrm>
+          <a:off x="0" y="0"/>
+          <a:ext cx="0" cy="0"/>
+          <a:chOff x="0" y="0"/>
+          <a:chExt cx="0" cy="0"/>
+        </a:xfrm>
+      </p:grpSpPr>
+      <p:sp>
+        <p:nvSpPr>
+          <p:cNvPr id="4" name="Oval 3">
+            <a:extLst>
+              <a:ext uri="{FF2B5EF4-FFF2-40B4-BE49-F238E27FC236}">
+                <a16:creationId xmlns:a16="http://schemas.microsoft.com/office/drawing/2014/main" id="{B3E75982-F9E9-45FD-96CB-0340489DE7BD}"/>
+              </a:ext>
+            </a:extLst>
+          </p:cNvPr>
+          <p:cNvSpPr/>
+          <p:nvPr/>
+        </p:nvSpPr>
+        <p:spPr>
+          <a:xfrm>
+            <a:off x="4777485" y="1092915"/>
+            <a:ext cx="2167846" cy="804559"/>
+          </a:xfrm>
+          <a:prstGeom prst="ellipse">
+            <a:avLst/>
+          </a:prstGeom>
+        </p:spPr>
+        <p:style>
+          <a:lnRef idx="2">
+            <a:schemeClr val="accent1">
+              <a:shade val="50000"/>
+            </a:schemeClr>
+          </a:lnRef>
+          <a:fillRef idx="1">
+            <a:schemeClr val="accent1"/>
+          </a:fillRef>
+          <a:effectRef idx="0">
+            <a:schemeClr val="accent1"/>
+          </a:effectRef>
+          <a:fontRef idx="minor">
+            <a:schemeClr val="lt1"/>
+          </a:fontRef>
+        </p:style>
+        <p:txBody>
+          <a:bodyPr rtlCol="0" anchor="ctr"/>
+          <a:lstStyle/>
+          <a:p>
+            <a:pPr algn="ctr"/>
+            <a:r>
+              <a:rPr lang="en-GB" dirty="0"/>
+              <a:t>Geo Coordinates</a:t>
+            </a:r>
+          </a:p>
+        </p:txBody>
+      </p:sp>
+      <p:sp>
+        <p:nvSpPr>
+          <p:cNvPr id="5" name="Oval 4">
+            <a:extLst>
+              <a:ext uri="{FF2B5EF4-FFF2-40B4-BE49-F238E27FC236}">
+                <a16:creationId xmlns:a16="http://schemas.microsoft.com/office/drawing/2014/main" id="{FE78666D-1F3C-442E-9EE0-789E355CB11F}"/>
+              </a:ext>
+            </a:extLst>
+          </p:cNvPr>
+          <p:cNvSpPr/>
+          <p:nvPr/>
+        </p:nvSpPr>
+        <p:spPr>
+          <a:xfrm>
+            <a:off x="7310063" y="370637"/>
+            <a:ext cx="1438382" cy="443502"/>
+          </a:xfrm>
+          <a:prstGeom prst="ellipse">
+            <a:avLst/>
+          </a:prstGeom>
+        </p:spPr>
+        <p:style>
+          <a:lnRef idx="2">
+            <a:schemeClr val="accent1">
+              <a:shade val="50000"/>
+            </a:schemeClr>
+          </a:lnRef>
+          <a:fillRef idx="1">
+            <a:schemeClr val="accent1"/>
+          </a:fillRef>
+          <a:effectRef idx="0">
+            <a:schemeClr val="accent1"/>
+          </a:effectRef>
+          <a:fontRef idx="minor">
+            <a:schemeClr val="lt1"/>
+          </a:fontRef>
+        </p:style>
+        <p:txBody>
+          <a:bodyPr rtlCol="0" anchor="ctr"/>
+          <a:lstStyle/>
+          <a:p>
+            <a:pPr algn="ctr"/>
+            <a:r>
+              <a:rPr lang="en-GB" dirty="0"/>
+              <a:t>latitude</a:t>
+            </a:r>
+          </a:p>
+        </p:txBody>
+      </p:sp>
+      <p:sp>
+        <p:nvSpPr>
+          <p:cNvPr id="6" name="Oval 5">
+            <a:extLst>
+              <a:ext uri="{FF2B5EF4-FFF2-40B4-BE49-F238E27FC236}">
+                <a16:creationId xmlns:a16="http://schemas.microsoft.com/office/drawing/2014/main" id="{3F5F0EB8-EA46-4672-8335-EF3754B9DCFC}"/>
+              </a:ext>
+            </a:extLst>
+          </p:cNvPr>
+          <p:cNvSpPr/>
+          <p:nvPr/>
+        </p:nvSpPr>
+        <p:spPr>
+          <a:xfrm>
+            <a:off x="4953862" y="50473"/>
+            <a:ext cx="1695235" cy="618588"/>
+          </a:xfrm>
+          <a:prstGeom prst="ellipse">
+            <a:avLst/>
+          </a:prstGeom>
+        </p:spPr>
+        <p:style>
+          <a:lnRef idx="2">
+            <a:schemeClr val="accent1">
+              <a:shade val="50000"/>
+            </a:schemeClr>
+          </a:lnRef>
+          <a:fillRef idx="1">
+            <a:schemeClr val="accent1"/>
+          </a:fillRef>
+          <a:effectRef idx="0">
+            <a:schemeClr val="accent1"/>
+          </a:effectRef>
+          <a:fontRef idx="minor">
+            <a:schemeClr val="lt1"/>
+          </a:fontRef>
+        </p:style>
+        <p:txBody>
+          <a:bodyPr rtlCol="0" anchor="ctr"/>
+          <a:lstStyle/>
+          <a:p>
+            <a:pPr algn="ctr"/>
+            <a:r>
+              <a:rPr lang="en-GB" dirty="0">
+                <a:solidFill>
+                  <a:schemeClr val="bg1"/>
+                </a:solidFill>
+              </a:rPr>
+              <a:t>longitude</a:t>
+            </a:r>
+          </a:p>
+        </p:txBody>
+      </p:sp>
+      <p:sp>
+        <p:nvSpPr>
+          <p:cNvPr id="7" name="Oval 6">
+            <a:extLst>
+              <a:ext uri="{FF2B5EF4-FFF2-40B4-BE49-F238E27FC236}">
+                <a16:creationId xmlns:a16="http://schemas.microsoft.com/office/drawing/2014/main" id="{F2017CEE-B637-41C4-AE1C-DDE557B5A490}"/>
+              </a:ext>
+            </a:extLst>
+          </p:cNvPr>
+          <p:cNvSpPr/>
+          <p:nvPr/>
+        </p:nvSpPr>
+        <p:spPr>
+          <a:xfrm>
+            <a:off x="2761176" y="370638"/>
+            <a:ext cx="1592495" cy="443501"/>
+          </a:xfrm>
+          <a:prstGeom prst="ellipse">
+            <a:avLst/>
+          </a:prstGeom>
+        </p:spPr>
+        <p:style>
+          <a:lnRef idx="2">
+            <a:schemeClr val="accent1">
+              <a:shade val="50000"/>
+            </a:schemeClr>
+          </a:lnRef>
+          <a:fillRef idx="1">
+            <a:schemeClr val="accent1"/>
+          </a:fillRef>
+          <a:effectRef idx="0">
+            <a:schemeClr val="accent1"/>
+          </a:effectRef>
+          <a:fontRef idx="minor">
+            <a:schemeClr val="lt1"/>
+          </a:fontRef>
+        </p:style>
+        <p:txBody>
+          <a:bodyPr rtlCol="0" anchor="ctr"/>
+          <a:lstStyle/>
+          <a:p>
+            <a:pPr algn="ctr"/>
+            <a:r>
+              <a:rPr lang="en-GB" dirty="0"/>
+              <a:t>elevation</a:t>
+            </a:r>
+          </a:p>
+        </p:txBody>
+      </p:sp>
+      <p:cxnSp>
+        <p:nvCxnSpPr>
+          <p:cNvPr id="8" name="Straight Arrow Connector 7">
+            <a:extLst>
+              <a:ext uri="{FF2B5EF4-FFF2-40B4-BE49-F238E27FC236}">
+                <a16:creationId xmlns:a16="http://schemas.microsoft.com/office/drawing/2014/main" id="{E6200082-AF3D-4935-8A4A-548EA54B9269}"/>
+              </a:ext>
+            </a:extLst>
+          </p:cNvPr>
+          <p:cNvCxnSpPr>
+            <a:cxnSpLocks/>
+            <a:endCxn id="5" idx="2"/>
+          </p:cNvCxnSpPr>
+          <p:nvPr/>
+        </p:nvCxnSpPr>
+        <p:spPr>
+          <a:xfrm flipV="1">
+            <a:off x="6488131" y="592388"/>
+            <a:ext cx="821932" cy="846761"/>
+          </a:xfrm>
+          <a:prstGeom prst="straightConnector1">
+            <a:avLst/>
+          </a:prstGeom>
+          <a:ln>
+            <a:tailEnd type="triangle"/>
+          </a:ln>
+        </p:spPr>
+        <p:style>
+          <a:lnRef idx="1">
+            <a:schemeClr val="accent1"/>
+          </a:lnRef>
+          <a:fillRef idx="0">
+            <a:schemeClr val="accent1"/>
+          </a:fillRef>
+          <a:effectRef idx="0">
+            <a:schemeClr val="accent1"/>
+          </a:effectRef>
+          <a:fontRef idx="minor">
+            <a:schemeClr val="tx1"/>
+          </a:fontRef>
+        </p:style>
+      </p:cxnSp>
+      <p:sp>
+        <p:nvSpPr>
+          <p:cNvPr id="9" name="Oval 8">
+            <a:extLst>
+              <a:ext uri="{FF2B5EF4-FFF2-40B4-BE49-F238E27FC236}">
+                <a16:creationId xmlns:a16="http://schemas.microsoft.com/office/drawing/2014/main" id="{952F03C0-26C8-4B44-AE96-60D2C480DB46}"/>
+              </a:ext>
+            </a:extLst>
+          </p:cNvPr>
+          <p:cNvSpPr/>
+          <p:nvPr/>
+        </p:nvSpPr>
+        <p:spPr>
+          <a:xfrm>
+            <a:off x="5065157" y="2398001"/>
+            <a:ext cx="1880174" cy="770561"/>
+          </a:xfrm>
+          <a:prstGeom prst="ellipse">
+            <a:avLst/>
+          </a:prstGeom>
+        </p:spPr>
+        <p:style>
+          <a:lnRef idx="2">
+            <a:schemeClr val="accent1">
+              <a:shade val="50000"/>
+            </a:schemeClr>
+          </a:lnRef>
+          <a:fillRef idx="1">
+            <a:schemeClr val="accent1"/>
+          </a:fillRef>
+          <a:effectRef idx="0">
+            <a:schemeClr val="accent1"/>
+          </a:effectRef>
+          <a:fontRef idx="minor">
+            <a:schemeClr val="lt1"/>
+          </a:fontRef>
+        </p:style>
+        <p:txBody>
+          <a:bodyPr rtlCol="0" anchor="ctr"/>
+          <a:lstStyle/>
+          <a:p>
+            <a:pPr algn="ctr"/>
+            <a:r>
+              <a:rPr lang="en-GB" dirty="0"/>
+              <a:t>Waypoints</a:t>
+            </a:r>
+          </a:p>
+        </p:txBody>
+      </p:sp>
+      <p:sp>
+        <p:nvSpPr>
+          <p:cNvPr id="10" name="Oval 9">
+            <a:extLst>
+              <a:ext uri="{FF2B5EF4-FFF2-40B4-BE49-F238E27FC236}">
+                <a16:creationId xmlns:a16="http://schemas.microsoft.com/office/drawing/2014/main" id="{A4F54766-BE12-4204-8D03-279C7EB3D9CB}"/>
+              </a:ext>
+            </a:extLst>
+          </p:cNvPr>
+          <p:cNvSpPr/>
+          <p:nvPr/>
+        </p:nvSpPr>
+        <p:spPr>
+          <a:xfrm>
+            <a:off x="5018923" y="3676913"/>
+            <a:ext cx="1880174" cy="490559"/>
+          </a:xfrm>
+          <a:prstGeom prst="ellipse">
+            <a:avLst/>
+          </a:prstGeom>
+        </p:spPr>
+        <p:style>
+          <a:lnRef idx="2">
+            <a:schemeClr val="accent1">
+              <a:shade val="50000"/>
+            </a:schemeClr>
+          </a:lnRef>
+          <a:fillRef idx="1">
+            <a:schemeClr val="accent1"/>
+          </a:fillRef>
+          <a:effectRef idx="0">
+            <a:schemeClr val="accent1"/>
+          </a:effectRef>
+          <a:fontRef idx="minor">
+            <a:schemeClr val="lt1"/>
+          </a:fontRef>
+        </p:style>
+        <p:txBody>
+          <a:bodyPr rtlCol="0" anchor="ctr"/>
+          <a:lstStyle/>
+          <a:p>
+            <a:pPr algn="ctr"/>
+            <a:r>
+              <a:rPr lang="en-GB" dirty="0" err="1"/>
+              <a:t>Trackpoints</a:t>
+            </a:r>
+            <a:endParaRPr lang="en-GB" dirty="0"/>
+          </a:p>
+        </p:txBody>
+      </p:sp>
+      <p:sp>
+        <p:nvSpPr>
+          <p:cNvPr id="11" name="Oval 10">
+            <a:extLst>
+              <a:ext uri="{FF2B5EF4-FFF2-40B4-BE49-F238E27FC236}">
+                <a16:creationId xmlns:a16="http://schemas.microsoft.com/office/drawing/2014/main" id="{A70AA933-A501-41BF-970C-778D5C777EF5}"/>
+              </a:ext>
+            </a:extLst>
+          </p:cNvPr>
+          <p:cNvSpPr/>
+          <p:nvPr/>
+        </p:nvSpPr>
+        <p:spPr>
+          <a:xfrm>
+            <a:off x="4899916" y="4625735"/>
+            <a:ext cx="2244903" cy="608672"/>
+          </a:xfrm>
+          <a:prstGeom prst="ellipse">
+            <a:avLst/>
+          </a:prstGeom>
+        </p:spPr>
+        <p:style>
+          <a:lnRef idx="2">
+            <a:schemeClr val="accent1">
+              <a:shade val="50000"/>
+            </a:schemeClr>
+          </a:lnRef>
+          <a:fillRef idx="1">
+            <a:schemeClr val="accent1"/>
+          </a:fillRef>
+          <a:effectRef idx="0">
+            <a:schemeClr val="accent1"/>
+          </a:effectRef>
+          <a:fontRef idx="minor">
+            <a:schemeClr val="lt1"/>
+          </a:fontRef>
+        </p:style>
+        <p:txBody>
+          <a:bodyPr rtlCol="0" anchor="ctr"/>
+          <a:lstStyle/>
+          <a:p>
+            <a:pPr algn="ctr"/>
+            <a:r>
+              <a:rPr lang="en-GB" dirty="0" err="1"/>
+              <a:t>Tracksegment</a:t>
+            </a:r>
+            <a:endParaRPr lang="en-GB" dirty="0"/>
+          </a:p>
+        </p:txBody>
+      </p:sp>
+      <p:cxnSp>
+        <p:nvCxnSpPr>
+          <p:cNvPr id="12" name="Straight Arrow Connector 11">
+            <a:extLst>
+              <a:ext uri="{FF2B5EF4-FFF2-40B4-BE49-F238E27FC236}">
+                <a16:creationId xmlns:a16="http://schemas.microsoft.com/office/drawing/2014/main" id="{D41026B6-0F21-4A3D-83B5-436FEE345BB8}"/>
+              </a:ext>
+            </a:extLst>
+          </p:cNvPr>
+          <p:cNvCxnSpPr>
+            <a:cxnSpLocks/>
+          </p:cNvCxnSpPr>
+          <p:nvPr/>
+        </p:nvCxnSpPr>
+        <p:spPr>
+          <a:xfrm flipH="1" flipV="1">
+            <a:off x="3791165" y="814140"/>
+            <a:ext cx="1114222" cy="623218"/>
+          </a:xfrm>
+          <a:prstGeom prst="straightConnector1">
+            <a:avLst/>
+          </a:prstGeom>
+          <a:ln>
+            <a:tailEnd type="triangle"/>
+          </a:ln>
+        </p:spPr>
+        <p:style>
+          <a:lnRef idx="1">
+            <a:schemeClr val="accent1"/>
+          </a:lnRef>
+          <a:fillRef idx="0">
+            <a:schemeClr val="accent1"/>
+          </a:fillRef>
+          <a:effectRef idx="0">
+            <a:schemeClr val="accent1"/>
+          </a:effectRef>
+          <a:fontRef idx="minor">
+            <a:schemeClr val="tx1"/>
+          </a:fontRef>
+        </p:style>
+      </p:cxnSp>
+      <p:sp>
+        <p:nvSpPr>
+          <p:cNvPr id="13" name="Oval 12">
+            <a:extLst>
+              <a:ext uri="{FF2B5EF4-FFF2-40B4-BE49-F238E27FC236}">
+                <a16:creationId xmlns:a16="http://schemas.microsoft.com/office/drawing/2014/main" id="{F10A1A4D-ADE5-40C9-A327-151FC4EE4BC5}"/>
+              </a:ext>
+            </a:extLst>
+          </p:cNvPr>
+          <p:cNvSpPr/>
+          <p:nvPr/>
+        </p:nvSpPr>
+        <p:spPr>
+          <a:xfrm>
+            <a:off x="7722740" y="2549234"/>
+            <a:ext cx="1566809" cy="443503"/>
+          </a:xfrm>
+          <a:prstGeom prst="ellipse">
+            <a:avLst/>
+          </a:prstGeom>
+        </p:spPr>
+        <p:style>
+          <a:lnRef idx="2">
+            <a:schemeClr val="accent1">
+              <a:shade val="50000"/>
+            </a:schemeClr>
+          </a:lnRef>
+          <a:fillRef idx="1">
+            <a:schemeClr val="accent1"/>
+          </a:fillRef>
+          <a:effectRef idx="0">
+            <a:schemeClr val="accent1"/>
+          </a:effectRef>
+          <a:fontRef idx="minor">
+            <a:schemeClr val="lt1"/>
+          </a:fontRef>
+        </p:style>
+        <p:txBody>
+          <a:bodyPr rtlCol="0" anchor="ctr"/>
+          <a:lstStyle/>
+          <a:p>
+            <a:pPr algn="ctr"/>
+            <a:r>
+              <a:rPr lang="en-GB" dirty="0"/>
+              <a:t>name</a:t>
+            </a:r>
+          </a:p>
+        </p:txBody>
+      </p:sp>
+      <p:sp>
+        <p:nvSpPr>
+          <p:cNvPr id="14" name="Oval 13">
+            <a:extLst>
+              <a:ext uri="{FF2B5EF4-FFF2-40B4-BE49-F238E27FC236}">
+                <a16:creationId xmlns:a16="http://schemas.microsoft.com/office/drawing/2014/main" id="{F6C1D333-3111-4495-9721-8DA77E931091}"/>
+              </a:ext>
+            </a:extLst>
+          </p:cNvPr>
+          <p:cNvSpPr/>
+          <p:nvPr/>
+        </p:nvSpPr>
+        <p:spPr>
+          <a:xfrm>
+            <a:off x="2902451" y="2561530"/>
+            <a:ext cx="1546776" cy="443502"/>
+          </a:xfrm>
+          <a:prstGeom prst="ellipse">
+            <a:avLst/>
+          </a:prstGeom>
+        </p:spPr>
+        <p:style>
+          <a:lnRef idx="2">
+            <a:schemeClr val="accent1">
+              <a:shade val="50000"/>
+            </a:schemeClr>
+          </a:lnRef>
+          <a:fillRef idx="1">
+            <a:schemeClr val="accent1"/>
+          </a:fillRef>
+          <a:effectRef idx="0">
+            <a:schemeClr val="accent1"/>
+          </a:effectRef>
+          <a:fontRef idx="minor">
+            <a:schemeClr val="lt1"/>
+          </a:fontRef>
+        </p:style>
+        <p:txBody>
+          <a:bodyPr rtlCol="0" anchor="ctr"/>
+          <a:lstStyle/>
+          <a:p>
+            <a:pPr algn="ctr"/>
+            <a:r>
+              <a:rPr lang="en-GB" dirty="0"/>
+              <a:t>time</a:t>
+            </a:r>
+          </a:p>
+        </p:txBody>
+      </p:sp>
+      <p:cxnSp>
+        <p:nvCxnSpPr>
+          <p:cNvPr id="15" name="Straight Arrow Connector 14">
+            <a:extLst>
+              <a:ext uri="{FF2B5EF4-FFF2-40B4-BE49-F238E27FC236}">
+                <a16:creationId xmlns:a16="http://schemas.microsoft.com/office/drawing/2014/main" id="{5D9FE843-A5E9-44B4-93D4-5157FB7C79C0}"/>
+              </a:ext>
+            </a:extLst>
+          </p:cNvPr>
+          <p:cNvCxnSpPr>
+            <a:cxnSpLocks/>
+          </p:cNvCxnSpPr>
+          <p:nvPr/>
+        </p:nvCxnSpPr>
+        <p:spPr>
+          <a:xfrm flipV="1">
+            <a:off x="6488131" y="2774330"/>
+            <a:ext cx="1313377" cy="191968"/>
+          </a:xfrm>
+          <a:prstGeom prst="straightConnector1">
+            <a:avLst/>
+          </a:prstGeom>
+          <a:ln>
+            <a:tailEnd type="triangle"/>
+          </a:ln>
+        </p:spPr>
+        <p:style>
+          <a:lnRef idx="1">
+            <a:schemeClr val="accent1"/>
+          </a:lnRef>
+          <a:fillRef idx="0">
+            <a:schemeClr val="accent1"/>
+          </a:fillRef>
+          <a:effectRef idx="0">
+            <a:schemeClr val="accent1"/>
+          </a:effectRef>
+          <a:fontRef idx="minor">
+            <a:schemeClr val="tx1"/>
+          </a:fontRef>
+        </p:style>
+      </p:cxnSp>
+      <p:cxnSp>
+        <p:nvCxnSpPr>
+          <p:cNvPr id="16" name="Straight Arrow Connector 15">
+            <a:extLst>
+              <a:ext uri="{FF2B5EF4-FFF2-40B4-BE49-F238E27FC236}">
+                <a16:creationId xmlns:a16="http://schemas.microsoft.com/office/drawing/2014/main" id="{C2B1B1D8-32E9-4187-827B-BD0429C8455E}"/>
+              </a:ext>
+            </a:extLst>
+          </p:cNvPr>
+          <p:cNvCxnSpPr>
+            <a:cxnSpLocks/>
+          </p:cNvCxnSpPr>
+          <p:nvPr/>
+        </p:nvCxnSpPr>
+        <p:spPr>
+          <a:xfrm flipH="1" flipV="1">
+            <a:off x="4324352" y="2796463"/>
+            <a:ext cx="1027159" cy="47787"/>
+          </a:xfrm>
+          <a:prstGeom prst="straightConnector1">
+            <a:avLst/>
+          </a:prstGeom>
+          <a:ln>
+            <a:tailEnd type="triangle"/>
+          </a:ln>
+        </p:spPr>
+        <p:style>
+          <a:lnRef idx="1">
+            <a:schemeClr val="accent1"/>
+          </a:lnRef>
+          <a:fillRef idx="0">
+            <a:schemeClr val="accent1"/>
+          </a:fillRef>
+          <a:effectRef idx="0">
+            <a:schemeClr val="accent1"/>
+          </a:effectRef>
+          <a:fontRef idx="minor">
+            <a:schemeClr val="tx1"/>
+          </a:fontRef>
+        </p:style>
+      </p:cxnSp>
+      <p:cxnSp>
+        <p:nvCxnSpPr>
+          <p:cNvPr id="17" name="Straight Arrow Connector 16">
+            <a:extLst>
+              <a:ext uri="{FF2B5EF4-FFF2-40B4-BE49-F238E27FC236}">
+                <a16:creationId xmlns:a16="http://schemas.microsoft.com/office/drawing/2014/main" id="{2C6BBF5A-DD1C-4FB0-BADF-319D09851DC9}"/>
+              </a:ext>
+            </a:extLst>
+          </p:cNvPr>
+          <p:cNvCxnSpPr>
+            <a:cxnSpLocks/>
+          </p:cNvCxnSpPr>
+          <p:nvPr/>
+        </p:nvCxnSpPr>
+        <p:spPr>
+          <a:xfrm flipH="1" flipV="1">
+            <a:off x="5917549" y="633699"/>
+            <a:ext cx="18866" cy="596762"/>
+          </a:xfrm>
+          <a:prstGeom prst="straightConnector1">
+            <a:avLst/>
+          </a:prstGeom>
+          <a:ln>
+            <a:tailEnd type="triangle"/>
+          </a:ln>
+        </p:spPr>
+        <p:style>
+          <a:lnRef idx="1">
+            <a:schemeClr val="accent1"/>
+          </a:lnRef>
+          <a:fillRef idx="0">
+            <a:schemeClr val="accent1"/>
+          </a:fillRef>
+          <a:effectRef idx="0">
+            <a:schemeClr val="accent1"/>
+          </a:effectRef>
+          <a:fontRef idx="minor">
+            <a:schemeClr val="tx1"/>
+          </a:fontRef>
+        </p:style>
+      </p:cxnSp>
+      <p:cxnSp>
+        <p:nvCxnSpPr>
+          <p:cNvPr id="18" name="Straight Arrow Connector 17">
+            <a:extLst>
+              <a:ext uri="{FF2B5EF4-FFF2-40B4-BE49-F238E27FC236}">
+                <a16:creationId xmlns:a16="http://schemas.microsoft.com/office/drawing/2014/main" id="{DFB8D44C-2B47-469D-BDB4-271972320119}"/>
+              </a:ext>
+            </a:extLst>
+          </p:cNvPr>
+          <p:cNvCxnSpPr>
+            <a:cxnSpLocks/>
+          </p:cNvCxnSpPr>
+          <p:nvPr/>
+        </p:nvCxnSpPr>
+        <p:spPr>
+          <a:xfrm flipH="1" flipV="1">
+            <a:off x="5917549" y="1897474"/>
+            <a:ext cx="18866" cy="651760"/>
+          </a:xfrm>
+          <a:prstGeom prst="straightConnector1">
+            <a:avLst/>
+          </a:prstGeom>
+          <a:ln>
+            <a:tailEnd type="triangle"/>
+          </a:ln>
+        </p:spPr>
+        <p:style>
+          <a:lnRef idx="1">
+            <a:schemeClr val="accent1"/>
+          </a:lnRef>
+          <a:fillRef idx="0">
+            <a:schemeClr val="accent1"/>
+          </a:fillRef>
+          <a:effectRef idx="0">
+            <a:schemeClr val="accent1"/>
+          </a:effectRef>
+          <a:fontRef idx="minor">
+            <a:schemeClr val="tx1"/>
+          </a:fontRef>
+        </p:style>
+      </p:cxnSp>
+      <p:sp>
+        <p:nvSpPr>
+          <p:cNvPr id="19" name="Oval 18">
+            <a:extLst>
+              <a:ext uri="{FF2B5EF4-FFF2-40B4-BE49-F238E27FC236}">
+                <a16:creationId xmlns:a16="http://schemas.microsoft.com/office/drawing/2014/main" id="{D0AFF0E1-A05A-4D3A-818B-831D8AF3C91B}"/>
+              </a:ext>
+            </a:extLst>
+          </p:cNvPr>
+          <p:cNvSpPr/>
+          <p:nvPr/>
+        </p:nvSpPr>
+        <p:spPr>
+          <a:xfrm>
+            <a:off x="5176891" y="5615629"/>
+            <a:ext cx="1838217" cy="608672"/>
+          </a:xfrm>
+          <a:prstGeom prst="ellipse">
+            <a:avLst/>
+          </a:prstGeom>
+        </p:spPr>
+        <p:style>
+          <a:lnRef idx="2">
+            <a:schemeClr val="accent1">
+              <a:shade val="50000"/>
+            </a:schemeClr>
+          </a:lnRef>
+          <a:fillRef idx="1">
+            <a:schemeClr val="accent1"/>
+          </a:fillRef>
+          <a:effectRef idx="0">
+            <a:schemeClr val="accent1"/>
+          </a:effectRef>
+          <a:fontRef idx="minor">
+            <a:schemeClr val="lt1"/>
+          </a:fontRef>
+        </p:style>
+        <p:txBody>
+          <a:bodyPr rtlCol="0" anchor="ctr"/>
+          <a:lstStyle/>
+          <a:p>
+            <a:pPr algn="ctr"/>
+            <a:r>
+              <a:rPr lang="en-GB" dirty="0"/>
+              <a:t>Track</a:t>
+            </a:r>
+          </a:p>
+        </p:txBody>
+      </p:sp>
+      <p:cxnSp>
+        <p:nvCxnSpPr>
+          <p:cNvPr id="20" name="Straight Arrow Connector 19">
+            <a:extLst>
+              <a:ext uri="{FF2B5EF4-FFF2-40B4-BE49-F238E27FC236}">
+                <a16:creationId xmlns:a16="http://schemas.microsoft.com/office/drawing/2014/main" id="{BA9C2208-1651-4C37-B464-7C30BA2C0178}"/>
+              </a:ext>
+            </a:extLst>
+          </p:cNvPr>
+          <p:cNvCxnSpPr>
+            <a:cxnSpLocks/>
+          </p:cNvCxnSpPr>
+          <p:nvPr/>
+        </p:nvCxnSpPr>
+        <p:spPr>
+          <a:xfrm flipV="1">
+            <a:off x="6096000" y="3122886"/>
+            <a:ext cx="0" cy="731258"/>
+          </a:xfrm>
+          <a:prstGeom prst="straightConnector1">
+            <a:avLst/>
+          </a:prstGeom>
+          <a:ln>
+            <a:tailEnd type="triangle"/>
+          </a:ln>
+        </p:spPr>
+        <p:style>
+          <a:lnRef idx="1">
+            <a:schemeClr val="accent1"/>
+          </a:lnRef>
+          <a:fillRef idx="0">
+            <a:schemeClr val="accent1"/>
+          </a:fillRef>
+          <a:effectRef idx="0">
+            <a:schemeClr val="accent1"/>
+          </a:effectRef>
+          <a:fontRef idx="minor">
+            <a:schemeClr val="tx1"/>
+          </a:fontRef>
+        </p:style>
+      </p:cxnSp>
+      <p:cxnSp>
+        <p:nvCxnSpPr>
+          <p:cNvPr id="21" name="Straight Arrow Connector 20">
+            <a:extLst>
+              <a:ext uri="{FF2B5EF4-FFF2-40B4-BE49-F238E27FC236}">
+                <a16:creationId xmlns:a16="http://schemas.microsoft.com/office/drawing/2014/main" id="{B4508DC3-E399-4646-9E77-D6E540BA23B7}"/>
+              </a:ext>
+            </a:extLst>
+          </p:cNvPr>
+          <p:cNvCxnSpPr>
+            <a:cxnSpLocks/>
+          </p:cNvCxnSpPr>
+          <p:nvPr/>
+        </p:nvCxnSpPr>
+        <p:spPr>
+          <a:xfrm flipV="1">
+            <a:off x="6095999" y="4167472"/>
+            <a:ext cx="0" cy="837982"/>
+          </a:xfrm>
+          <a:prstGeom prst="straightConnector1">
+            <a:avLst/>
+          </a:prstGeom>
+          <a:ln>
+            <a:tailEnd type="triangle"/>
+          </a:ln>
+        </p:spPr>
+        <p:style>
+          <a:lnRef idx="1">
+            <a:schemeClr val="accent1"/>
+          </a:lnRef>
+          <a:fillRef idx="0">
+            <a:schemeClr val="accent1"/>
+          </a:fillRef>
+          <a:effectRef idx="0">
+            <a:schemeClr val="accent1"/>
+          </a:effectRef>
+          <a:fontRef idx="minor">
+            <a:schemeClr val="tx1"/>
+          </a:fontRef>
+        </p:style>
+      </p:cxnSp>
+      <p:cxnSp>
+        <p:nvCxnSpPr>
+          <p:cNvPr id="22" name="Straight Arrow Connector 21">
+            <a:extLst>
+              <a:ext uri="{FF2B5EF4-FFF2-40B4-BE49-F238E27FC236}">
+                <a16:creationId xmlns:a16="http://schemas.microsoft.com/office/drawing/2014/main" id="{6A097951-605D-4BE6-AB63-28FB359E9328}"/>
+              </a:ext>
+            </a:extLst>
+          </p:cNvPr>
+          <p:cNvCxnSpPr>
+            <a:cxnSpLocks/>
+          </p:cNvCxnSpPr>
+          <p:nvPr/>
+        </p:nvCxnSpPr>
+        <p:spPr>
+          <a:xfrm flipV="1">
+            <a:off x="6071190" y="5234407"/>
+            <a:ext cx="0" cy="731258"/>
+          </a:xfrm>
+          <a:prstGeom prst="straightConnector1">
+            <a:avLst/>
+          </a:prstGeom>
+          <a:ln>
+            <a:tailEnd type="triangle"/>
+          </a:ln>
+        </p:spPr>
+        <p:style>
+          <a:lnRef idx="1">
+            <a:schemeClr val="accent1"/>
+          </a:lnRef>
+          <a:fillRef idx="0">
+            <a:schemeClr val="accent1"/>
+          </a:fillRef>
+          <a:effectRef idx="0">
+            <a:schemeClr val="accent1"/>
+          </a:effectRef>
+          <a:fontRef idx="minor">
+            <a:schemeClr val="tx1"/>
+          </a:fontRef>
+        </p:style>
+      </p:cxnSp>
+    </p:spTree>
+    <p:extLst>
+      <p:ext uri="{BB962C8B-B14F-4D97-AF65-F5344CB8AC3E}">
+        <p14:creationId xmlns:p14="http://schemas.microsoft.com/office/powerpoint/2010/main" val="1686994664"/>
       </p:ext>
     </p:extLst>
   </p:cSld>
